--- a/Lancaster/Reporte_01/Repertorio de Gráficas.pptx
+++ b/Lancaster/Reporte_01/Repertorio de Gráficas.pptx
@@ -9,52 +9,55 @@
     <p:sldId id="258" r:id="rId3"/>
     <p:sldId id="262" r:id="rId4"/>
     <p:sldId id="263" r:id="rId5"/>
-    <p:sldId id="264" r:id="rId6"/>
-    <p:sldId id="265" r:id="rId7"/>
-    <p:sldId id="266" r:id="rId8"/>
-    <p:sldId id="301" r:id="rId9"/>
-    <p:sldId id="304" r:id="rId10"/>
-    <p:sldId id="259" r:id="rId11"/>
-    <p:sldId id="267" r:id="rId12"/>
-    <p:sldId id="272" r:id="rId13"/>
-    <p:sldId id="268" r:id="rId14"/>
-    <p:sldId id="273" r:id="rId15"/>
-    <p:sldId id="269" r:id="rId16"/>
-    <p:sldId id="274" r:id="rId17"/>
-    <p:sldId id="270" r:id="rId18"/>
-    <p:sldId id="275" r:id="rId19"/>
-    <p:sldId id="271" r:id="rId20"/>
-    <p:sldId id="276" r:id="rId21"/>
-    <p:sldId id="303" r:id="rId22"/>
-    <p:sldId id="302" r:id="rId23"/>
-    <p:sldId id="305" r:id="rId24"/>
-    <p:sldId id="306" r:id="rId25"/>
-    <p:sldId id="260" r:id="rId26"/>
-    <p:sldId id="277" r:id="rId27"/>
-    <p:sldId id="281" r:id="rId28"/>
-    <p:sldId id="285" r:id="rId29"/>
-    <p:sldId id="289" r:id="rId30"/>
-    <p:sldId id="278" r:id="rId31"/>
-    <p:sldId id="282" r:id="rId32"/>
-    <p:sldId id="286" r:id="rId33"/>
-    <p:sldId id="290" r:id="rId34"/>
-    <p:sldId id="279" r:id="rId35"/>
-    <p:sldId id="283" r:id="rId36"/>
-    <p:sldId id="287" r:id="rId37"/>
-    <p:sldId id="291" r:id="rId38"/>
-    <p:sldId id="280" r:id="rId39"/>
-    <p:sldId id="284" r:id="rId40"/>
-    <p:sldId id="288" r:id="rId41"/>
-    <p:sldId id="292" r:id="rId42"/>
-    <p:sldId id="261" r:id="rId43"/>
-    <p:sldId id="293" r:id="rId44"/>
-    <p:sldId id="297" r:id="rId45"/>
-    <p:sldId id="294" r:id="rId46"/>
-    <p:sldId id="298" r:id="rId47"/>
-    <p:sldId id="295" r:id="rId48"/>
-    <p:sldId id="299" r:id="rId49"/>
-    <p:sldId id="296" r:id="rId50"/>
-    <p:sldId id="300" r:id="rId51"/>
+    <p:sldId id="307" r:id="rId6"/>
+    <p:sldId id="264" r:id="rId7"/>
+    <p:sldId id="265" r:id="rId8"/>
+    <p:sldId id="266" r:id="rId9"/>
+    <p:sldId id="301" r:id="rId10"/>
+    <p:sldId id="304" r:id="rId11"/>
+    <p:sldId id="259" r:id="rId12"/>
+    <p:sldId id="267" r:id="rId13"/>
+    <p:sldId id="272" r:id="rId14"/>
+    <p:sldId id="268" r:id="rId15"/>
+    <p:sldId id="273" r:id="rId16"/>
+    <p:sldId id="309" r:id="rId17"/>
+    <p:sldId id="308" r:id="rId18"/>
+    <p:sldId id="269" r:id="rId19"/>
+    <p:sldId id="274" r:id="rId20"/>
+    <p:sldId id="270" r:id="rId21"/>
+    <p:sldId id="275" r:id="rId22"/>
+    <p:sldId id="271" r:id="rId23"/>
+    <p:sldId id="276" r:id="rId24"/>
+    <p:sldId id="303" r:id="rId25"/>
+    <p:sldId id="302" r:id="rId26"/>
+    <p:sldId id="305" r:id="rId27"/>
+    <p:sldId id="306" r:id="rId28"/>
+    <p:sldId id="260" r:id="rId29"/>
+    <p:sldId id="277" r:id="rId30"/>
+    <p:sldId id="281" r:id="rId31"/>
+    <p:sldId id="285" r:id="rId32"/>
+    <p:sldId id="289" r:id="rId33"/>
+    <p:sldId id="278" r:id="rId34"/>
+    <p:sldId id="282" r:id="rId35"/>
+    <p:sldId id="286" r:id="rId36"/>
+    <p:sldId id="290" r:id="rId37"/>
+    <p:sldId id="279" r:id="rId38"/>
+    <p:sldId id="283" r:id="rId39"/>
+    <p:sldId id="287" r:id="rId40"/>
+    <p:sldId id="291" r:id="rId41"/>
+    <p:sldId id="280" r:id="rId42"/>
+    <p:sldId id="284" r:id="rId43"/>
+    <p:sldId id="288" r:id="rId44"/>
+    <p:sldId id="292" r:id="rId45"/>
+    <p:sldId id="261" r:id="rId46"/>
+    <p:sldId id="293" r:id="rId47"/>
+    <p:sldId id="297" r:id="rId48"/>
+    <p:sldId id="294" r:id="rId49"/>
+    <p:sldId id="298" r:id="rId50"/>
+    <p:sldId id="295" r:id="rId51"/>
+    <p:sldId id="299" r:id="rId52"/>
+    <p:sldId id="296" r:id="rId53"/>
+    <p:sldId id="300" r:id="rId54"/>
   </p:sldIdLst>
   <p:sldSz cx="12192000" cy="6858000"/>
   <p:notesSz cx="6858000" cy="9144000"/>
@@ -292,7 +295,7 @@
           <a:p>
             <a:fld id="{831D9D1D-F13F-4501-8C96-1FD4CD407F33}" type="datetimeFigureOut">
               <a:rPr lang="es-MX" smtClean="0"/>
-              <a:t>04/01/2019</a:t>
+              <a:t>29/01/2019</a:t>
             </a:fld>
             <a:endParaRPr lang="es-MX"/>
           </a:p>
@@ -462,7 +465,7 @@
           <a:p>
             <a:fld id="{831D9D1D-F13F-4501-8C96-1FD4CD407F33}" type="datetimeFigureOut">
               <a:rPr lang="es-MX" smtClean="0"/>
-              <a:t>04/01/2019</a:t>
+              <a:t>29/01/2019</a:t>
             </a:fld>
             <a:endParaRPr lang="es-MX"/>
           </a:p>
@@ -642,7 +645,7 @@
           <a:p>
             <a:fld id="{831D9D1D-F13F-4501-8C96-1FD4CD407F33}" type="datetimeFigureOut">
               <a:rPr lang="es-MX" smtClean="0"/>
-              <a:t>04/01/2019</a:t>
+              <a:t>29/01/2019</a:t>
             </a:fld>
             <a:endParaRPr lang="es-MX"/>
           </a:p>
@@ -812,7 +815,7 @@
           <a:p>
             <a:fld id="{831D9D1D-F13F-4501-8C96-1FD4CD407F33}" type="datetimeFigureOut">
               <a:rPr lang="es-MX" smtClean="0"/>
-              <a:t>04/01/2019</a:t>
+              <a:t>29/01/2019</a:t>
             </a:fld>
             <a:endParaRPr lang="es-MX"/>
           </a:p>
@@ -1058,7 +1061,7 @@
           <a:p>
             <a:fld id="{831D9D1D-F13F-4501-8C96-1FD4CD407F33}" type="datetimeFigureOut">
               <a:rPr lang="es-MX" smtClean="0"/>
-              <a:t>04/01/2019</a:t>
+              <a:t>29/01/2019</a:t>
             </a:fld>
             <a:endParaRPr lang="es-MX"/>
           </a:p>
@@ -1290,7 +1293,7 @@
           <a:p>
             <a:fld id="{831D9D1D-F13F-4501-8C96-1FD4CD407F33}" type="datetimeFigureOut">
               <a:rPr lang="es-MX" smtClean="0"/>
-              <a:t>04/01/2019</a:t>
+              <a:t>29/01/2019</a:t>
             </a:fld>
             <a:endParaRPr lang="es-MX"/>
           </a:p>
@@ -1657,7 +1660,7 @@
           <a:p>
             <a:fld id="{831D9D1D-F13F-4501-8C96-1FD4CD407F33}" type="datetimeFigureOut">
               <a:rPr lang="es-MX" smtClean="0"/>
-              <a:t>04/01/2019</a:t>
+              <a:t>29/01/2019</a:t>
             </a:fld>
             <a:endParaRPr lang="es-MX"/>
           </a:p>
@@ -1775,7 +1778,7 @@
           <a:p>
             <a:fld id="{831D9D1D-F13F-4501-8C96-1FD4CD407F33}" type="datetimeFigureOut">
               <a:rPr lang="es-MX" smtClean="0"/>
-              <a:t>04/01/2019</a:t>
+              <a:t>29/01/2019</a:t>
             </a:fld>
             <a:endParaRPr lang="es-MX"/>
           </a:p>
@@ -1870,7 +1873,7 @@
           <a:p>
             <a:fld id="{831D9D1D-F13F-4501-8C96-1FD4CD407F33}" type="datetimeFigureOut">
               <a:rPr lang="es-MX" smtClean="0"/>
-              <a:t>04/01/2019</a:t>
+              <a:t>29/01/2019</a:t>
             </a:fld>
             <a:endParaRPr lang="es-MX"/>
           </a:p>
@@ -2147,7 +2150,7 @@
           <a:p>
             <a:fld id="{831D9D1D-F13F-4501-8C96-1FD4CD407F33}" type="datetimeFigureOut">
               <a:rPr lang="es-MX" smtClean="0"/>
-              <a:t>04/01/2019</a:t>
+              <a:t>29/01/2019</a:t>
             </a:fld>
             <a:endParaRPr lang="es-MX"/>
           </a:p>
@@ -2400,7 +2403,7 @@
           <a:p>
             <a:fld id="{831D9D1D-F13F-4501-8C96-1FD4CD407F33}" type="datetimeFigureOut">
               <a:rPr lang="es-MX" smtClean="0"/>
-              <a:t>04/01/2019</a:t>
+              <a:t>29/01/2019</a:t>
             </a:fld>
             <a:endParaRPr lang="es-MX"/>
           </a:p>
@@ -2613,7 +2616,7 @@
           <a:p>
             <a:fld id="{831D9D1D-F13F-4501-8C96-1FD4CD407F33}" type="datetimeFigureOut">
               <a:rPr lang="es-MX" smtClean="0"/>
-              <a:t>04/01/2019</a:t>
+              <a:t>29/01/2019</a:t>
             </a:fld>
             <a:endParaRPr lang="es-MX"/>
           </a:p>
@@ -3127,6 +3130,98 @@
             <a:spLocks noGrp="1"/>
           </p:cNvSpPr>
           <p:nvPr>
+            <p:ph type="title"/>
+          </p:nvPr>
+        </p:nvSpPr>
+        <p:spPr/>
+        <p:txBody>
+          <a:bodyPr/>
+          <a:lstStyle/>
+          <a:p>
+            <a:endParaRPr lang="es-MX"/>
+          </a:p>
+        </p:txBody>
+      </p:sp>
+      <p:sp>
+        <p:nvSpPr>
+          <p:cNvPr id="3" name="Marcador de contenido 2"/>
+          <p:cNvSpPr>
+            <a:spLocks noGrp="1"/>
+          </p:cNvSpPr>
+          <p:nvPr>
+            <p:ph idx="1"/>
+          </p:nvPr>
+        </p:nvSpPr>
+        <p:spPr/>
+        <p:txBody>
+          <a:bodyPr/>
+          <a:lstStyle/>
+          <a:p>
+            <a:endParaRPr lang="es-MX"/>
+          </a:p>
+        </p:txBody>
+      </p:sp>
+      <p:pic>
+        <p:nvPicPr>
+          <p:cNvPr id="4" name="Imagen 3"/>
+          <p:cNvPicPr>
+            <a:picLocks noChangeAspect="1"/>
+          </p:cNvPicPr>
+          <p:nvPr/>
+        </p:nvPicPr>
+        <p:blipFill>
+          <a:blip r:embed="rId2"/>
+          <a:stretch>
+            <a:fillRect/>
+          </a:stretch>
+        </p:blipFill>
+        <p:spPr>
+          <a:xfrm>
+            <a:off x="90487" y="214312"/>
+            <a:ext cx="12011025" cy="6429375"/>
+          </a:xfrm>
+          <a:prstGeom prst="rect">
+            <a:avLst/>
+          </a:prstGeom>
+        </p:spPr>
+      </p:pic>
+    </p:spTree>
+    <p:extLst>
+      <p:ext uri="{BB962C8B-B14F-4D97-AF65-F5344CB8AC3E}">
+        <p14:creationId xmlns:p14="http://schemas.microsoft.com/office/powerpoint/2010/main" val="3222653924"/>
+      </p:ext>
+    </p:extLst>
+  </p:cSld>
+  <p:clrMapOvr>
+    <a:masterClrMapping/>
+  </p:clrMapOvr>
+</p:sld>
+</file>
+
+<file path=ppt/slides/slide11.xml><?xml version="1.0" encoding="utf-8"?>
+<p:sld xmlns:a="http://schemas.openxmlformats.org/drawingml/2006/main" xmlns:r="http://schemas.openxmlformats.org/officeDocument/2006/relationships" xmlns:p="http://schemas.openxmlformats.org/presentationml/2006/main">
+  <p:cSld>
+    <p:spTree>
+      <p:nvGrpSpPr>
+        <p:cNvPr id="1" name=""/>
+        <p:cNvGrpSpPr/>
+        <p:nvPr/>
+      </p:nvGrpSpPr>
+      <p:grpSpPr>
+        <a:xfrm>
+          <a:off x="0" y="0"/>
+          <a:ext cx="0" cy="0"/>
+          <a:chOff x="0" y="0"/>
+          <a:chExt cx="0" cy="0"/>
+        </a:xfrm>
+      </p:grpSpPr>
+      <p:sp>
+        <p:nvSpPr>
+          <p:cNvPr id="2" name="Título 1"/>
+          <p:cNvSpPr>
+            <a:spLocks noGrp="1"/>
+          </p:cNvSpPr>
+          <p:nvPr>
             <p:ph type="ctrTitle"/>
           </p:nvPr>
         </p:nvSpPr>
@@ -3190,7 +3285,7 @@
 </p:sld>
 </file>
 
-<file path=ppt/slides/slide11.xml><?xml version="1.0" encoding="utf-8"?>
+<file path=ppt/slides/slide12.xml><?xml version="1.0" encoding="utf-8"?>
 <p:sld xmlns:a="http://schemas.openxmlformats.org/drawingml/2006/main" xmlns:r="http://schemas.openxmlformats.org/officeDocument/2006/relationships" xmlns:p="http://schemas.openxmlformats.org/presentationml/2006/main">
   <p:cSld>
     <p:spTree>
@@ -3289,7 +3384,7 @@
 </p:sld>
 </file>
 
-<file path=ppt/slides/slide12.xml><?xml version="1.0" encoding="utf-8"?>
+<file path=ppt/slides/slide13.xml><?xml version="1.0" encoding="utf-8"?>
 <p:sld xmlns:a="http://schemas.openxmlformats.org/drawingml/2006/main" xmlns:r="http://schemas.openxmlformats.org/officeDocument/2006/relationships" xmlns:p="http://schemas.openxmlformats.org/presentationml/2006/main">
   <p:cSld>
     <p:spTree>
@@ -3388,7 +3483,7 @@
 </p:sld>
 </file>
 
-<file path=ppt/slides/slide13.xml><?xml version="1.0" encoding="utf-8"?>
+<file path=ppt/slides/slide14.xml><?xml version="1.0" encoding="utf-8"?>
 <p:sld xmlns:a="http://schemas.openxmlformats.org/drawingml/2006/main" xmlns:r="http://schemas.openxmlformats.org/officeDocument/2006/relationships" xmlns:p="http://schemas.openxmlformats.org/presentationml/2006/main">
   <p:cSld>
     <p:spTree>
@@ -3487,7 +3582,7 @@
 </p:sld>
 </file>
 
-<file path=ppt/slides/slide14.xml><?xml version="1.0" encoding="utf-8"?>
+<file path=ppt/slides/slide15.xml><?xml version="1.0" encoding="utf-8"?>
 <p:sld xmlns:a="http://schemas.openxmlformats.org/drawingml/2006/main" xmlns:r="http://schemas.openxmlformats.org/officeDocument/2006/relationships" xmlns:p="http://schemas.openxmlformats.org/presentationml/2006/main">
   <p:cSld>
     <p:spTree>
@@ -3586,7 +3681,191 @@
 </p:sld>
 </file>
 
-<file path=ppt/slides/slide15.xml><?xml version="1.0" encoding="utf-8"?>
+<file path=ppt/slides/slide16.xml><?xml version="1.0" encoding="utf-8"?>
+<p:sld xmlns:a="http://schemas.openxmlformats.org/drawingml/2006/main" xmlns:r="http://schemas.openxmlformats.org/officeDocument/2006/relationships" xmlns:p="http://schemas.openxmlformats.org/presentationml/2006/main">
+  <p:cSld>
+    <p:spTree>
+      <p:nvGrpSpPr>
+        <p:cNvPr id="1" name=""/>
+        <p:cNvGrpSpPr/>
+        <p:nvPr/>
+      </p:nvGrpSpPr>
+      <p:grpSpPr>
+        <a:xfrm>
+          <a:off x="0" y="0"/>
+          <a:ext cx="0" cy="0"/>
+          <a:chOff x="0" y="0"/>
+          <a:chExt cx="0" cy="0"/>
+        </a:xfrm>
+      </p:grpSpPr>
+      <p:sp>
+        <p:nvSpPr>
+          <p:cNvPr id="2" name="Título 1"/>
+          <p:cNvSpPr>
+            <a:spLocks noGrp="1"/>
+          </p:cNvSpPr>
+          <p:nvPr>
+            <p:ph type="title"/>
+          </p:nvPr>
+        </p:nvSpPr>
+        <p:spPr/>
+        <p:txBody>
+          <a:bodyPr/>
+          <a:lstStyle/>
+          <a:p>
+            <a:endParaRPr lang="es-MX"/>
+          </a:p>
+        </p:txBody>
+      </p:sp>
+      <p:sp>
+        <p:nvSpPr>
+          <p:cNvPr id="3" name="Marcador de contenido 2"/>
+          <p:cNvSpPr>
+            <a:spLocks noGrp="1"/>
+          </p:cNvSpPr>
+          <p:nvPr>
+            <p:ph idx="1"/>
+          </p:nvPr>
+        </p:nvSpPr>
+        <p:spPr/>
+        <p:txBody>
+          <a:bodyPr/>
+          <a:lstStyle/>
+          <a:p>
+            <a:endParaRPr lang="es-MX"/>
+          </a:p>
+        </p:txBody>
+      </p:sp>
+      <p:pic>
+        <p:nvPicPr>
+          <p:cNvPr id="4" name="Imagen 3"/>
+          <p:cNvPicPr>
+            <a:picLocks noChangeAspect="1"/>
+          </p:cNvPicPr>
+          <p:nvPr/>
+        </p:nvPicPr>
+        <p:blipFill>
+          <a:blip r:embed="rId2"/>
+          <a:stretch>
+            <a:fillRect/>
+          </a:stretch>
+        </p:blipFill>
+        <p:spPr>
+          <a:xfrm>
+            <a:off x="1214649" y="1"/>
+            <a:ext cx="9502726" cy="6858000"/>
+          </a:xfrm>
+          <a:prstGeom prst="rect">
+            <a:avLst/>
+          </a:prstGeom>
+        </p:spPr>
+      </p:pic>
+    </p:spTree>
+    <p:extLst>
+      <p:ext uri="{BB962C8B-B14F-4D97-AF65-F5344CB8AC3E}">
+        <p14:creationId xmlns:p14="http://schemas.microsoft.com/office/powerpoint/2010/main" val="3058297028"/>
+      </p:ext>
+    </p:extLst>
+  </p:cSld>
+  <p:clrMapOvr>
+    <a:masterClrMapping/>
+  </p:clrMapOvr>
+</p:sld>
+</file>
+
+<file path=ppt/slides/slide17.xml><?xml version="1.0" encoding="utf-8"?>
+<p:sld xmlns:a="http://schemas.openxmlformats.org/drawingml/2006/main" xmlns:r="http://schemas.openxmlformats.org/officeDocument/2006/relationships" xmlns:p="http://schemas.openxmlformats.org/presentationml/2006/main">
+  <p:cSld>
+    <p:spTree>
+      <p:nvGrpSpPr>
+        <p:cNvPr id="1" name=""/>
+        <p:cNvGrpSpPr/>
+        <p:nvPr/>
+      </p:nvGrpSpPr>
+      <p:grpSpPr>
+        <a:xfrm>
+          <a:off x="0" y="0"/>
+          <a:ext cx="0" cy="0"/>
+          <a:chOff x="0" y="0"/>
+          <a:chExt cx="0" cy="0"/>
+        </a:xfrm>
+      </p:grpSpPr>
+      <p:sp>
+        <p:nvSpPr>
+          <p:cNvPr id="2" name="Título 1"/>
+          <p:cNvSpPr>
+            <a:spLocks noGrp="1"/>
+          </p:cNvSpPr>
+          <p:nvPr>
+            <p:ph type="title"/>
+          </p:nvPr>
+        </p:nvSpPr>
+        <p:spPr/>
+        <p:txBody>
+          <a:bodyPr/>
+          <a:lstStyle/>
+          <a:p>
+            <a:endParaRPr lang="es-MX"/>
+          </a:p>
+        </p:txBody>
+      </p:sp>
+      <p:sp>
+        <p:nvSpPr>
+          <p:cNvPr id="3" name="Marcador de contenido 2"/>
+          <p:cNvSpPr>
+            <a:spLocks noGrp="1"/>
+          </p:cNvSpPr>
+          <p:nvPr>
+            <p:ph idx="1"/>
+          </p:nvPr>
+        </p:nvSpPr>
+        <p:spPr/>
+        <p:txBody>
+          <a:bodyPr/>
+          <a:lstStyle/>
+          <a:p>
+            <a:endParaRPr lang="es-MX"/>
+          </a:p>
+        </p:txBody>
+      </p:sp>
+      <p:pic>
+        <p:nvPicPr>
+          <p:cNvPr id="4" name="Imagen 3"/>
+          <p:cNvPicPr>
+            <a:picLocks noChangeAspect="1"/>
+          </p:cNvPicPr>
+          <p:nvPr/>
+        </p:nvPicPr>
+        <p:blipFill>
+          <a:blip r:embed="rId2"/>
+          <a:stretch>
+            <a:fillRect/>
+          </a:stretch>
+        </p:blipFill>
+        <p:spPr>
+          <a:xfrm>
+            <a:off x="1215944" y="-1"/>
+            <a:ext cx="9320128" cy="6778899"/>
+          </a:xfrm>
+          <a:prstGeom prst="rect">
+            <a:avLst/>
+          </a:prstGeom>
+        </p:spPr>
+      </p:pic>
+    </p:spTree>
+    <p:extLst>
+      <p:ext uri="{BB962C8B-B14F-4D97-AF65-F5344CB8AC3E}">
+        <p14:creationId xmlns:p14="http://schemas.microsoft.com/office/powerpoint/2010/main" val="4028157628"/>
+      </p:ext>
+    </p:extLst>
+  </p:cSld>
+  <p:clrMapOvr>
+    <a:masterClrMapping/>
+  </p:clrMapOvr>
+</p:sld>
+</file>
+
+<file path=ppt/slides/slide18.xml><?xml version="1.0" encoding="utf-8"?>
 <p:sld xmlns:a="http://schemas.openxmlformats.org/drawingml/2006/main" xmlns:r="http://schemas.openxmlformats.org/officeDocument/2006/relationships" xmlns:p="http://schemas.openxmlformats.org/presentationml/2006/main">
   <p:cSld>
     <p:spTree>
@@ -3732,7 +4011,7 @@
 </p:sld>
 </file>
 
-<file path=ppt/slides/slide16.xml><?xml version="1.0" encoding="utf-8"?>
+<file path=ppt/slides/slide19.xml><?xml version="1.0" encoding="utf-8"?>
 <p:sld xmlns:a="http://schemas.openxmlformats.org/drawingml/2006/main" xmlns:r="http://schemas.openxmlformats.org/officeDocument/2006/relationships" xmlns:p="http://schemas.openxmlformats.org/presentationml/2006/main">
   <p:cSld>
     <p:spTree>
@@ -3878,7 +4157,94 @@
 </p:sld>
 </file>
 
-<file path=ppt/slides/slide17.xml><?xml version="1.0" encoding="utf-8"?>
+<file path=ppt/slides/slide2.xml><?xml version="1.0" encoding="utf-8"?>
+<p:sld xmlns:a="http://schemas.openxmlformats.org/drawingml/2006/main" xmlns:r="http://schemas.openxmlformats.org/officeDocument/2006/relationships" xmlns:p="http://schemas.openxmlformats.org/presentationml/2006/main">
+  <p:cSld>
+    <p:spTree>
+      <p:nvGrpSpPr>
+        <p:cNvPr id="1" name=""/>
+        <p:cNvGrpSpPr/>
+        <p:nvPr/>
+      </p:nvGrpSpPr>
+      <p:grpSpPr>
+        <a:xfrm>
+          <a:off x="0" y="0"/>
+          <a:ext cx="0" cy="0"/>
+          <a:chOff x="0" y="0"/>
+          <a:chExt cx="0" cy="0"/>
+        </a:xfrm>
+      </p:grpSpPr>
+      <p:sp>
+        <p:nvSpPr>
+          <p:cNvPr id="2" name="Título 1"/>
+          <p:cNvSpPr>
+            <a:spLocks noGrp="1"/>
+          </p:cNvSpPr>
+          <p:nvPr>
+            <p:ph type="ctrTitle"/>
+          </p:nvPr>
+        </p:nvSpPr>
+        <p:spPr/>
+        <p:txBody>
+          <a:bodyPr/>
+          <a:lstStyle/>
+          <a:p>
+            <a:r>
+              <a:rPr lang="es-MX" dirty="0" smtClean="0"/>
+              <a:t>Sobre las </a:t>
+            </a:r>
+            <a:r>
+              <a:rPr lang="es-MX" b="1" dirty="0" smtClean="0"/>
+              <a:t>respuestas globales</a:t>
+            </a:r>
+            <a:endParaRPr lang="es-MX" b="1" dirty="0"/>
+          </a:p>
+        </p:txBody>
+      </p:sp>
+      <p:sp>
+        <p:nvSpPr>
+          <p:cNvPr id="3" name="Subtítulo 2"/>
+          <p:cNvSpPr>
+            <a:spLocks noGrp="1"/>
+          </p:cNvSpPr>
+          <p:nvPr>
+            <p:ph type="subTitle" idx="1"/>
+          </p:nvPr>
+        </p:nvSpPr>
+        <p:spPr/>
+        <p:txBody>
+          <a:bodyPr/>
+          <a:lstStyle/>
+          <a:p>
+            <a:r>
+              <a:rPr lang="es-MX" dirty="0" smtClean="0"/>
+              <a:t>(Tomando en cuenta las 127 observaciones)</a:t>
+            </a:r>
+            <a:endParaRPr lang="es-MX" dirty="0"/>
+          </a:p>
+        </p:txBody>
+      </p:sp>
+    </p:spTree>
+    <p:extLst>
+      <p:ext uri="{BB962C8B-B14F-4D97-AF65-F5344CB8AC3E}">
+        <p14:creationId xmlns:p14="http://schemas.microsoft.com/office/powerpoint/2010/main" val="3285481042"/>
+      </p:ext>
+    </p:extLst>
+  </p:cSld>
+  <p:clrMapOvr>
+    <a:masterClrMapping/>
+  </p:clrMapOvr>
+  <p:timing>
+    <p:tnLst>
+      <p:par>
+        <p:cTn id="1" dur="indefinite" restart="never" nodeType="tmRoot"/>
+      </p:par>
+    </p:tnLst>
+  </p:timing>
+</p:sld>
+</file>
+
+<file path=ppt/slides/slide20.xml><?xml version="1.0" encoding="utf-8"?>
 <p:sld xmlns:a="http://schemas.openxmlformats.org/drawingml/2006/main" xmlns:r="http://schemas.openxmlformats.org/officeDocument/2006/relationships" xmlns:p="http://schemas.openxmlformats.org/presentationml/2006/main">
   <p:cSld>
     <p:spTree>
@@ -4032,7 +4398,7 @@
 </p:sld>
 </file>
 
-<file path=ppt/slides/slide18.xml><?xml version="1.0" encoding="utf-8"?>
+<file path=ppt/slides/slide21.xml><?xml version="1.0" encoding="utf-8"?>
 <p:sld xmlns:a="http://schemas.openxmlformats.org/drawingml/2006/main" xmlns:r="http://schemas.openxmlformats.org/officeDocument/2006/relationships" xmlns:p="http://schemas.openxmlformats.org/presentationml/2006/main">
   <p:cSld>
     <p:spTree>
@@ -4186,7 +4552,7 @@
 </p:sld>
 </file>
 
-<file path=ppt/slides/slide19.xml><?xml version="1.0" encoding="utf-8"?>
+<file path=ppt/slides/slide22.xml><?xml version="1.0" encoding="utf-8"?>
 <p:sld xmlns:a="http://schemas.openxmlformats.org/drawingml/2006/main" xmlns:r="http://schemas.openxmlformats.org/officeDocument/2006/relationships" xmlns:p="http://schemas.openxmlformats.org/presentationml/2006/main">
   <p:cSld>
     <p:spTree>
@@ -4285,94 +4651,7 @@
 </p:sld>
 </file>
 
-<file path=ppt/slides/slide2.xml><?xml version="1.0" encoding="utf-8"?>
-<p:sld xmlns:a="http://schemas.openxmlformats.org/drawingml/2006/main" xmlns:r="http://schemas.openxmlformats.org/officeDocument/2006/relationships" xmlns:p="http://schemas.openxmlformats.org/presentationml/2006/main">
-  <p:cSld>
-    <p:spTree>
-      <p:nvGrpSpPr>
-        <p:cNvPr id="1" name=""/>
-        <p:cNvGrpSpPr/>
-        <p:nvPr/>
-      </p:nvGrpSpPr>
-      <p:grpSpPr>
-        <a:xfrm>
-          <a:off x="0" y="0"/>
-          <a:ext cx="0" cy="0"/>
-          <a:chOff x="0" y="0"/>
-          <a:chExt cx="0" cy="0"/>
-        </a:xfrm>
-      </p:grpSpPr>
-      <p:sp>
-        <p:nvSpPr>
-          <p:cNvPr id="2" name="Título 1"/>
-          <p:cNvSpPr>
-            <a:spLocks noGrp="1"/>
-          </p:cNvSpPr>
-          <p:nvPr>
-            <p:ph type="ctrTitle"/>
-          </p:nvPr>
-        </p:nvSpPr>
-        <p:spPr/>
-        <p:txBody>
-          <a:bodyPr/>
-          <a:lstStyle/>
-          <a:p>
-            <a:r>
-              <a:rPr lang="es-MX" dirty="0" smtClean="0"/>
-              <a:t>Sobre las </a:t>
-            </a:r>
-            <a:r>
-              <a:rPr lang="es-MX" b="1" dirty="0" smtClean="0"/>
-              <a:t>respuestas globales</a:t>
-            </a:r>
-            <a:endParaRPr lang="es-MX" b="1" dirty="0"/>
-          </a:p>
-        </p:txBody>
-      </p:sp>
-      <p:sp>
-        <p:nvSpPr>
-          <p:cNvPr id="3" name="Subtítulo 2"/>
-          <p:cNvSpPr>
-            <a:spLocks noGrp="1"/>
-          </p:cNvSpPr>
-          <p:nvPr>
-            <p:ph type="subTitle" idx="1"/>
-          </p:nvPr>
-        </p:nvSpPr>
-        <p:spPr/>
-        <p:txBody>
-          <a:bodyPr/>
-          <a:lstStyle/>
-          <a:p>
-            <a:r>
-              <a:rPr lang="es-MX" dirty="0" smtClean="0"/>
-              <a:t>(Tomando en cuenta las 127 observaciones)</a:t>
-            </a:r>
-            <a:endParaRPr lang="es-MX" dirty="0"/>
-          </a:p>
-        </p:txBody>
-      </p:sp>
-    </p:spTree>
-    <p:extLst>
-      <p:ext uri="{BB962C8B-B14F-4D97-AF65-F5344CB8AC3E}">
-        <p14:creationId xmlns:p14="http://schemas.microsoft.com/office/powerpoint/2010/main" val="3285481042"/>
-      </p:ext>
-    </p:extLst>
-  </p:cSld>
-  <p:clrMapOvr>
-    <a:masterClrMapping/>
-  </p:clrMapOvr>
-  <p:timing>
-    <p:tnLst>
-      <p:par>
-        <p:cTn id="1" dur="indefinite" restart="never" nodeType="tmRoot"/>
-      </p:par>
-    </p:tnLst>
-  </p:timing>
-</p:sld>
-</file>
-
-<file path=ppt/slides/slide20.xml><?xml version="1.0" encoding="utf-8"?>
+<file path=ppt/slides/slide23.xml><?xml version="1.0" encoding="utf-8"?>
 <p:sld xmlns:a="http://schemas.openxmlformats.org/drawingml/2006/main" xmlns:r="http://schemas.openxmlformats.org/officeDocument/2006/relationships" xmlns:p="http://schemas.openxmlformats.org/presentationml/2006/main">
   <p:cSld>
     <p:spTree>
@@ -4471,7 +4750,7 @@
 </p:sld>
 </file>
 
-<file path=ppt/slides/slide21.xml><?xml version="1.0" encoding="utf-8"?>
+<file path=ppt/slides/slide24.xml><?xml version="1.0" encoding="utf-8"?>
 <p:sld xmlns:a="http://schemas.openxmlformats.org/drawingml/2006/main" xmlns:r="http://schemas.openxmlformats.org/officeDocument/2006/relationships" xmlns:p="http://schemas.openxmlformats.org/presentationml/2006/main">
   <p:cSld>
     <p:spTree>
@@ -4563,7 +4842,7 @@
 </p:sld>
 </file>
 
-<file path=ppt/slides/slide22.xml><?xml version="1.0" encoding="utf-8"?>
+<file path=ppt/slides/slide25.xml><?xml version="1.0" encoding="utf-8"?>
 <p:sld xmlns:a="http://schemas.openxmlformats.org/drawingml/2006/main" xmlns:r="http://schemas.openxmlformats.org/officeDocument/2006/relationships" xmlns:p="http://schemas.openxmlformats.org/presentationml/2006/main">
   <p:cSld>
     <p:spTree>
@@ -4655,7 +4934,7 @@
 </p:sld>
 </file>
 
-<file path=ppt/slides/slide23.xml><?xml version="1.0" encoding="utf-8"?>
+<file path=ppt/slides/slide26.xml><?xml version="1.0" encoding="utf-8"?>
 <p:sld xmlns:a="http://schemas.openxmlformats.org/drawingml/2006/main" xmlns:r="http://schemas.openxmlformats.org/officeDocument/2006/relationships" xmlns:p="http://schemas.openxmlformats.org/presentationml/2006/main">
   <p:cSld>
     <p:spTree>
@@ -4747,7 +5026,7 @@
 </p:sld>
 </file>
 
-<file path=ppt/slides/slide24.xml><?xml version="1.0" encoding="utf-8"?>
+<file path=ppt/slides/slide27.xml><?xml version="1.0" encoding="utf-8"?>
 <p:sld xmlns:a="http://schemas.openxmlformats.org/drawingml/2006/main" xmlns:r="http://schemas.openxmlformats.org/officeDocument/2006/relationships" xmlns:p="http://schemas.openxmlformats.org/presentationml/2006/main">
   <p:cSld>
     <p:spTree>
@@ -4839,291 +5118,6 @@
 </p:sld>
 </file>
 
-<file path=ppt/slides/slide25.xml><?xml version="1.0" encoding="utf-8"?>
-<p:sld xmlns:a="http://schemas.openxmlformats.org/drawingml/2006/main" xmlns:r="http://schemas.openxmlformats.org/officeDocument/2006/relationships" xmlns:p="http://schemas.openxmlformats.org/presentationml/2006/main">
-  <p:cSld>
-    <p:spTree>
-      <p:nvGrpSpPr>
-        <p:cNvPr id="1" name=""/>
-        <p:cNvGrpSpPr/>
-        <p:nvPr/>
-      </p:nvGrpSpPr>
-      <p:grpSpPr>
-        <a:xfrm>
-          <a:off x="0" y="0"/>
-          <a:ext cx="0" cy="0"/>
-          <a:chOff x="0" y="0"/>
-          <a:chExt cx="0" cy="0"/>
-        </a:xfrm>
-      </p:grpSpPr>
-      <p:sp>
-        <p:nvSpPr>
-          <p:cNvPr id="2" name="Título 1"/>
-          <p:cNvSpPr>
-            <a:spLocks noGrp="1"/>
-          </p:cNvSpPr>
-          <p:nvPr>
-            <p:ph type="ctrTitle"/>
-          </p:nvPr>
-        </p:nvSpPr>
-        <p:spPr/>
-        <p:txBody>
-          <a:bodyPr/>
-          <a:lstStyle/>
-          <a:p>
-            <a:r>
-              <a:rPr lang="es-MX" dirty="0" smtClean="0"/>
-              <a:t>Análisis </a:t>
-            </a:r>
-            <a:r>
-              <a:rPr lang="es-MX" b="1" dirty="0" smtClean="0"/>
-              <a:t>por Grupo</a:t>
-            </a:r>
-            <a:endParaRPr lang="es-MX" dirty="0"/>
-          </a:p>
-        </p:txBody>
-      </p:sp>
-      <p:sp>
-        <p:nvSpPr>
-          <p:cNvPr id="3" name="Subtítulo 2"/>
-          <p:cNvSpPr>
-            <a:spLocks noGrp="1"/>
-          </p:cNvSpPr>
-          <p:nvPr>
-            <p:ph type="subTitle" idx="1"/>
-          </p:nvPr>
-        </p:nvSpPr>
-        <p:spPr/>
-        <p:txBody>
-          <a:bodyPr/>
-          <a:lstStyle/>
-          <a:p>
-            <a:r>
-              <a:rPr lang="es-MX" dirty="0" smtClean="0"/>
-              <a:t>Quinto vs Sexto</a:t>
-            </a:r>
-            <a:endParaRPr lang="es-MX" dirty="0"/>
-          </a:p>
-        </p:txBody>
-      </p:sp>
-    </p:spTree>
-    <p:extLst>
-      <p:ext uri="{BB962C8B-B14F-4D97-AF65-F5344CB8AC3E}">
-        <p14:creationId xmlns:p14="http://schemas.microsoft.com/office/powerpoint/2010/main" val="2850230444"/>
-      </p:ext>
-    </p:extLst>
-  </p:cSld>
-  <p:clrMapOvr>
-    <a:masterClrMapping/>
-  </p:clrMapOvr>
-  <p:timing>
-    <p:tnLst>
-      <p:par>
-        <p:cTn id="1" dur="indefinite" restart="never" nodeType="tmRoot"/>
-      </p:par>
-    </p:tnLst>
-  </p:timing>
-</p:sld>
-</file>
-
-<file path=ppt/slides/slide26.xml><?xml version="1.0" encoding="utf-8"?>
-<p:sld xmlns:a="http://schemas.openxmlformats.org/drawingml/2006/main" xmlns:r="http://schemas.openxmlformats.org/officeDocument/2006/relationships" xmlns:p="http://schemas.openxmlformats.org/presentationml/2006/main">
-  <p:cSld>
-    <p:spTree>
-      <p:nvGrpSpPr>
-        <p:cNvPr id="1" name=""/>
-        <p:cNvGrpSpPr/>
-        <p:nvPr/>
-      </p:nvGrpSpPr>
-      <p:grpSpPr>
-        <a:xfrm>
-          <a:off x="0" y="0"/>
-          <a:ext cx="0" cy="0"/>
-          <a:chOff x="0" y="0"/>
-          <a:chExt cx="0" cy="0"/>
-        </a:xfrm>
-      </p:grpSpPr>
-      <p:sp>
-        <p:nvSpPr>
-          <p:cNvPr id="2" name="Título 1"/>
-          <p:cNvSpPr>
-            <a:spLocks noGrp="1"/>
-          </p:cNvSpPr>
-          <p:nvPr>
-            <p:ph type="title"/>
-          </p:nvPr>
-        </p:nvSpPr>
-        <p:spPr/>
-        <p:txBody>
-          <a:bodyPr/>
-          <a:lstStyle/>
-          <a:p>
-            <a:endParaRPr lang="es-MX"/>
-          </a:p>
-        </p:txBody>
-      </p:sp>
-      <p:sp>
-        <p:nvSpPr>
-          <p:cNvPr id="3" name="Marcador de contenido 2"/>
-          <p:cNvSpPr>
-            <a:spLocks noGrp="1"/>
-          </p:cNvSpPr>
-          <p:nvPr>
-            <p:ph idx="1"/>
-          </p:nvPr>
-        </p:nvSpPr>
-        <p:spPr/>
-        <p:txBody>
-          <a:bodyPr/>
-          <a:lstStyle/>
-          <a:p>
-            <a:endParaRPr lang="es-MX"/>
-          </a:p>
-        </p:txBody>
-      </p:sp>
-      <p:pic>
-        <p:nvPicPr>
-          <p:cNvPr id="5" name="Imagen 4"/>
-          <p:cNvPicPr>
-            <a:picLocks noChangeAspect="1"/>
-          </p:cNvPicPr>
-          <p:nvPr/>
-        </p:nvPicPr>
-        <p:blipFill>
-          <a:blip r:embed="rId2"/>
-          <a:stretch>
-            <a:fillRect/>
-          </a:stretch>
-        </p:blipFill>
-        <p:spPr>
-          <a:xfrm>
-            <a:off x="566737" y="357187"/>
-            <a:ext cx="11058525" cy="6143625"/>
-          </a:xfrm>
-          <a:prstGeom prst="rect">
-            <a:avLst/>
-          </a:prstGeom>
-        </p:spPr>
-      </p:pic>
-    </p:spTree>
-    <p:extLst>
-      <p:ext uri="{BB962C8B-B14F-4D97-AF65-F5344CB8AC3E}">
-        <p14:creationId xmlns:p14="http://schemas.microsoft.com/office/powerpoint/2010/main" val="3149070832"/>
-      </p:ext>
-    </p:extLst>
-  </p:cSld>
-  <p:clrMapOvr>
-    <a:masterClrMapping/>
-  </p:clrMapOvr>
-  <p:timing>
-    <p:tnLst>
-      <p:par>
-        <p:cTn id="1" dur="indefinite" restart="never" nodeType="tmRoot"/>
-      </p:par>
-    </p:tnLst>
-  </p:timing>
-</p:sld>
-</file>
-
-<file path=ppt/slides/slide27.xml><?xml version="1.0" encoding="utf-8"?>
-<p:sld xmlns:a="http://schemas.openxmlformats.org/drawingml/2006/main" xmlns:r="http://schemas.openxmlformats.org/officeDocument/2006/relationships" xmlns:p="http://schemas.openxmlformats.org/presentationml/2006/main">
-  <p:cSld>
-    <p:spTree>
-      <p:nvGrpSpPr>
-        <p:cNvPr id="1" name=""/>
-        <p:cNvGrpSpPr/>
-        <p:nvPr/>
-      </p:nvGrpSpPr>
-      <p:grpSpPr>
-        <a:xfrm>
-          <a:off x="0" y="0"/>
-          <a:ext cx="0" cy="0"/>
-          <a:chOff x="0" y="0"/>
-          <a:chExt cx="0" cy="0"/>
-        </a:xfrm>
-      </p:grpSpPr>
-      <p:sp>
-        <p:nvSpPr>
-          <p:cNvPr id="2" name="Título 1"/>
-          <p:cNvSpPr>
-            <a:spLocks noGrp="1"/>
-          </p:cNvSpPr>
-          <p:nvPr>
-            <p:ph type="title"/>
-          </p:nvPr>
-        </p:nvSpPr>
-        <p:spPr/>
-        <p:txBody>
-          <a:bodyPr/>
-          <a:lstStyle/>
-          <a:p>
-            <a:endParaRPr lang="es-MX"/>
-          </a:p>
-        </p:txBody>
-      </p:sp>
-      <p:sp>
-        <p:nvSpPr>
-          <p:cNvPr id="3" name="Marcador de contenido 2"/>
-          <p:cNvSpPr>
-            <a:spLocks noGrp="1"/>
-          </p:cNvSpPr>
-          <p:nvPr>
-            <p:ph idx="1"/>
-          </p:nvPr>
-        </p:nvSpPr>
-        <p:spPr/>
-        <p:txBody>
-          <a:bodyPr/>
-          <a:lstStyle/>
-          <a:p>
-            <a:endParaRPr lang="es-MX"/>
-          </a:p>
-        </p:txBody>
-      </p:sp>
-      <p:pic>
-        <p:nvPicPr>
-          <p:cNvPr id="6" name="Imagen 5"/>
-          <p:cNvPicPr>
-            <a:picLocks noChangeAspect="1"/>
-          </p:cNvPicPr>
-          <p:nvPr/>
-        </p:nvPicPr>
-        <p:blipFill>
-          <a:blip r:embed="rId2"/>
-          <a:stretch>
-            <a:fillRect/>
-          </a:stretch>
-        </p:blipFill>
-        <p:spPr>
-          <a:xfrm>
-            <a:off x="661987" y="376237"/>
-            <a:ext cx="10868025" cy="6105525"/>
-          </a:xfrm>
-          <a:prstGeom prst="rect">
-            <a:avLst/>
-          </a:prstGeom>
-        </p:spPr>
-      </p:pic>
-    </p:spTree>
-    <p:extLst>
-      <p:ext uri="{BB962C8B-B14F-4D97-AF65-F5344CB8AC3E}">
-        <p14:creationId xmlns:p14="http://schemas.microsoft.com/office/powerpoint/2010/main" val="1196814694"/>
-      </p:ext>
-    </p:extLst>
-  </p:cSld>
-  <p:clrMapOvr>
-    <a:masterClrMapping/>
-  </p:clrMapOvr>
-  <p:timing>
-    <p:tnLst>
-      <p:par>
-        <p:cTn id="1" dur="indefinite" restart="never" nodeType="tmRoot"/>
-      </p:par>
-    </p:tnLst>
-  </p:timing>
-</p:sld>
-</file>
-
 <file path=ppt/slides/slide28.xml><?xml version="1.0" encoding="utf-8"?>
 <p:sld xmlns:a="http://schemas.openxmlformats.org/drawingml/2006/main" xmlns:r="http://schemas.openxmlformats.org/officeDocument/2006/relationships" xmlns:p="http://schemas.openxmlformats.org/presentationml/2006/main">
   <p:cSld>
@@ -5148,65 +5142,53 @@
             <a:spLocks noGrp="1"/>
           </p:cNvSpPr>
           <p:nvPr>
-            <p:ph type="title"/>
-          </p:nvPr>
-        </p:nvSpPr>
-        <p:spPr/>
-        <p:txBody>
-          <a:bodyPr/>
-          <a:lstStyle/>
-          <a:p>
-            <a:endParaRPr lang="es-MX"/>
-          </a:p>
-        </p:txBody>
-      </p:sp>
-      <p:sp>
-        <p:nvSpPr>
-          <p:cNvPr id="3" name="Marcador de contenido 2"/>
-          <p:cNvSpPr>
-            <a:spLocks noGrp="1"/>
-          </p:cNvSpPr>
-          <p:nvPr>
-            <p:ph idx="1"/>
-          </p:nvPr>
-        </p:nvSpPr>
-        <p:spPr/>
-        <p:txBody>
-          <a:bodyPr/>
-          <a:lstStyle/>
-          <a:p>
-            <a:endParaRPr lang="es-MX"/>
-          </a:p>
-        </p:txBody>
-      </p:sp>
-      <p:pic>
-        <p:nvPicPr>
-          <p:cNvPr id="5" name="Imagen 4"/>
-          <p:cNvPicPr>
-            <a:picLocks noChangeAspect="1"/>
-          </p:cNvPicPr>
-          <p:nvPr/>
-        </p:nvPicPr>
-        <p:blipFill>
-          <a:blip r:embed="rId2"/>
-          <a:stretch>
-            <a:fillRect/>
-          </a:stretch>
-        </p:blipFill>
-        <p:spPr>
-          <a:xfrm>
-            <a:off x="652462" y="404812"/>
-            <a:ext cx="10887075" cy="6048375"/>
-          </a:xfrm>
-          <a:prstGeom prst="rect">
-            <a:avLst/>
-          </a:prstGeom>
-        </p:spPr>
-      </p:pic>
+            <p:ph type="ctrTitle"/>
+          </p:nvPr>
+        </p:nvSpPr>
+        <p:spPr/>
+        <p:txBody>
+          <a:bodyPr/>
+          <a:lstStyle/>
+          <a:p>
+            <a:r>
+              <a:rPr lang="es-MX" dirty="0" smtClean="0"/>
+              <a:t>Análisis </a:t>
+            </a:r>
+            <a:r>
+              <a:rPr lang="es-MX" b="1" dirty="0" smtClean="0"/>
+              <a:t>por Grupo</a:t>
+            </a:r>
+            <a:endParaRPr lang="es-MX" dirty="0"/>
+          </a:p>
+        </p:txBody>
+      </p:sp>
+      <p:sp>
+        <p:nvSpPr>
+          <p:cNvPr id="3" name="Subtítulo 2"/>
+          <p:cNvSpPr>
+            <a:spLocks noGrp="1"/>
+          </p:cNvSpPr>
+          <p:nvPr>
+            <p:ph type="subTitle" idx="1"/>
+          </p:nvPr>
+        </p:nvSpPr>
+        <p:spPr/>
+        <p:txBody>
+          <a:bodyPr/>
+          <a:lstStyle/>
+          <a:p>
+            <a:r>
+              <a:rPr lang="es-MX" dirty="0" smtClean="0"/>
+              <a:t>Quinto vs Sexto</a:t>
+            </a:r>
+            <a:endParaRPr lang="es-MX" dirty="0"/>
+          </a:p>
+        </p:txBody>
+      </p:sp>
     </p:spTree>
     <p:extLst>
       <p:ext uri="{BB962C8B-B14F-4D97-AF65-F5344CB8AC3E}">
-        <p14:creationId xmlns:p14="http://schemas.microsoft.com/office/powerpoint/2010/main" val="4077775733"/>
+        <p14:creationId xmlns:p14="http://schemas.microsoft.com/office/powerpoint/2010/main" val="2850230444"/>
       </p:ext>
     </p:extLst>
   </p:cSld>
@@ -5294,8 +5276,8 @@
         </p:blipFill>
         <p:spPr>
           <a:xfrm>
-            <a:off x="642937" y="452437"/>
-            <a:ext cx="10906125" cy="5953125"/>
+            <a:off x="566737" y="357187"/>
+            <a:ext cx="11058525" cy="6143625"/>
           </a:xfrm>
           <a:prstGeom prst="rect">
             <a:avLst/>
@@ -5305,7 +5287,7 @@
     </p:spTree>
     <p:extLst>
       <p:ext uri="{BB962C8B-B14F-4D97-AF65-F5344CB8AC3E}">
-        <p14:creationId xmlns:p14="http://schemas.microsoft.com/office/powerpoint/2010/main" val="1667398907"/>
+        <p14:creationId xmlns:p14="http://schemas.microsoft.com/office/powerpoint/2010/main" val="3149070832"/>
       </p:ext>
     </p:extLst>
   </p:cSld>
@@ -5478,6 +5460,303 @@
       </p:sp>
       <p:pic>
         <p:nvPicPr>
+          <p:cNvPr id="6" name="Imagen 5"/>
+          <p:cNvPicPr>
+            <a:picLocks noChangeAspect="1"/>
+          </p:cNvPicPr>
+          <p:nvPr/>
+        </p:nvPicPr>
+        <p:blipFill>
+          <a:blip r:embed="rId2"/>
+          <a:stretch>
+            <a:fillRect/>
+          </a:stretch>
+        </p:blipFill>
+        <p:spPr>
+          <a:xfrm>
+            <a:off x="661987" y="376237"/>
+            <a:ext cx="10868025" cy="6105525"/>
+          </a:xfrm>
+          <a:prstGeom prst="rect">
+            <a:avLst/>
+          </a:prstGeom>
+        </p:spPr>
+      </p:pic>
+    </p:spTree>
+    <p:extLst>
+      <p:ext uri="{BB962C8B-B14F-4D97-AF65-F5344CB8AC3E}">
+        <p14:creationId xmlns:p14="http://schemas.microsoft.com/office/powerpoint/2010/main" val="1196814694"/>
+      </p:ext>
+    </p:extLst>
+  </p:cSld>
+  <p:clrMapOvr>
+    <a:masterClrMapping/>
+  </p:clrMapOvr>
+  <p:timing>
+    <p:tnLst>
+      <p:par>
+        <p:cTn id="1" dur="indefinite" restart="never" nodeType="tmRoot"/>
+      </p:par>
+    </p:tnLst>
+  </p:timing>
+</p:sld>
+</file>
+
+<file path=ppt/slides/slide31.xml><?xml version="1.0" encoding="utf-8"?>
+<p:sld xmlns:a="http://schemas.openxmlformats.org/drawingml/2006/main" xmlns:r="http://schemas.openxmlformats.org/officeDocument/2006/relationships" xmlns:p="http://schemas.openxmlformats.org/presentationml/2006/main">
+  <p:cSld>
+    <p:spTree>
+      <p:nvGrpSpPr>
+        <p:cNvPr id="1" name=""/>
+        <p:cNvGrpSpPr/>
+        <p:nvPr/>
+      </p:nvGrpSpPr>
+      <p:grpSpPr>
+        <a:xfrm>
+          <a:off x="0" y="0"/>
+          <a:ext cx="0" cy="0"/>
+          <a:chOff x="0" y="0"/>
+          <a:chExt cx="0" cy="0"/>
+        </a:xfrm>
+      </p:grpSpPr>
+      <p:sp>
+        <p:nvSpPr>
+          <p:cNvPr id="2" name="Título 1"/>
+          <p:cNvSpPr>
+            <a:spLocks noGrp="1"/>
+          </p:cNvSpPr>
+          <p:nvPr>
+            <p:ph type="title"/>
+          </p:nvPr>
+        </p:nvSpPr>
+        <p:spPr/>
+        <p:txBody>
+          <a:bodyPr/>
+          <a:lstStyle/>
+          <a:p>
+            <a:endParaRPr lang="es-MX"/>
+          </a:p>
+        </p:txBody>
+      </p:sp>
+      <p:sp>
+        <p:nvSpPr>
+          <p:cNvPr id="3" name="Marcador de contenido 2"/>
+          <p:cNvSpPr>
+            <a:spLocks noGrp="1"/>
+          </p:cNvSpPr>
+          <p:nvPr>
+            <p:ph idx="1"/>
+          </p:nvPr>
+        </p:nvSpPr>
+        <p:spPr/>
+        <p:txBody>
+          <a:bodyPr/>
+          <a:lstStyle/>
+          <a:p>
+            <a:endParaRPr lang="es-MX"/>
+          </a:p>
+        </p:txBody>
+      </p:sp>
+      <p:pic>
+        <p:nvPicPr>
+          <p:cNvPr id="5" name="Imagen 4"/>
+          <p:cNvPicPr>
+            <a:picLocks noChangeAspect="1"/>
+          </p:cNvPicPr>
+          <p:nvPr/>
+        </p:nvPicPr>
+        <p:blipFill>
+          <a:blip r:embed="rId2"/>
+          <a:stretch>
+            <a:fillRect/>
+          </a:stretch>
+        </p:blipFill>
+        <p:spPr>
+          <a:xfrm>
+            <a:off x="652462" y="404812"/>
+            <a:ext cx="10887075" cy="6048375"/>
+          </a:xfrm>
+          <a:prstGeom prst="rect">
+            <a:avLst/>
+          </a:prstGeom>
+        </p:spPr>
+      </p:pic>
+    </p:spTree>
+    <p:extLst>
+      <p:ext uri="{BB962C8B-B14F-4D97-AF65-F5344CB8AC3E}">
+        <p14:creationId xmlns:p14="http://schemas.microsoft.com/office/powerpoint/2010/main" val="4077775733"/>
+      </p:ext>
+    </p:extLst>
+  </p:cSld>
+  <p:clrMapOvr>
+    <a:masterClrMapping/>
+  </p:clrMapOvr>
+  <p:timing>
+    <p:tnLst>
+      <p:par>
+        <p:cTn id="1" dur="indefinite" restart="never" nodeType="tmRoot"/>
+      </p:par>
+    </p:tnLst>
+  </p:timing>
+</p:sld>
+</file>
+
+<file path=ppt/slides/slide32.xml><?xml version="1.0" encoding="utf-8"?>
+<p:sld xmlns:a="http://schemas.openxmlformats.org/drawingml/2006/main" xmlns:r="http://schemas.openxmlformats.org/officeDocument/2006/relationships" xmlns:p="http://schemas.openxmlformats.org/presentationml/2006/main">
+  <p:cSld>
+    <p:spTree>
+      <p:nvGrpSpPr>
+        <p:cNvPr id="1" name=""/>
+        <p:cNvGrpSpPr/>
+        <p:nvPr/>
+      </p:nvGrpSpPr>
+      <p:grpSpPr>
+        <a:xfrm>
+          <a:off x="0" y="0"/>
+          <a:ext cx="0" cy="0"/>
+          <a:chOff x="0" y="0"/>
+          <a:chExt cx="0" cy="0"/>
+        </a:xfrm>
+      </p:grpSpPr>
+      <p:sp>
+        <p:nvSpPr>
+          <p:cNvPr id="2" name="Título 1"/>
+          <p:cNvSpPr>
+            <a:spLocks noGrp="1"/>
+          </p:cNvSpPr>
+          <p:nvPr>
+            <p:ph type="title"/>
+          </p:nvPr>
+        </p:nvSpPr>
+        <p:spPr/>
+        <p:txBody>
+          <a:bodyPr/>
+          <a:lstStyle/>
+          <a:p>
+            <a:endParaRPr lang="es-MX"/>
+          </a:p>
+        </p:txBody>
+      </p:sp>
+      <p:sp>
+        <p:nvSpPr>
+          <p:cNvPr id="3" name="Marcador de contenido 2"/>
+          <p:cNvSpPr>
+            <a:spLocks noGrp="1"/>
+          </p:cNvSpPr>
+          <p:nvPr>
+            <p:ph idx="1"/>
+          </p:nvPr>
+        </p:nvSpPr>
+        <p:spPr/>
+        <p:txBody>
+          <a:bodyPr/>
+          <a:lstStyle/>
+          <a:p>
+            <a:endParaRPr lang="es-MX"/>
+          </a:p>
+        </p:txBody>
+      </p:sp>
+      <p:pic>
+        <p:nvPicPr>
+          <p:cNvPr id="5" name="Imagen 4"/>
+          <p:cNvPicPr>
+            <a:picLocks noChangeAspect="1"/>
+          </p:cNvPicPr>
+          <p:nvPr/>
+        </p:nvPicPr>
+        <p:blipFill>
+          <a:blip r:embed="rId2"/>
+          <a:stretch>
+            <a:fillRect/>
+          </a:stretch>
+        </p:blipFill>
+        <p:spPr>
+          <a:xfrm>
+            <a:off x="642937" y="452437"/>
+            <a:ext cx="10906125" cy="5953125"/>
+          </a:xfrm>
+          <a:prstGeom prst="rect">
+            <a:avLst/>
+          </a:prstGeom>
+        </p:spPr>
+      </p:pic>
+    </p:spTree>
+    <p:extLst>
+      <p:ext uri="{BB962C8B-B14F-4D97-AF65-F5344CB8AC3E}">
+        <p14:creationId xmlns:p14="http://schemas.microsoft.com/office/powerpoint/2010/main" val="1667398907"/>
+      </p:ext>
+    </p:extLst>
+  </p:cSld>
+  <p:clrMapOvr>
+    <a:masterClrMapping/>
+  </p:clrMapOvr>
+  <p:timing>
+    <p:tnLst>
+      <p:par>
+        <p:cTn id="1" dur="indefinite" restart="never" nodeType="tmRoot"/>
+      </p:par>
+    </p:tnLst>
+  </p:timing>
+</p:sld>
+</file>
+
+<file path=ppt/slides/slide33.xml><?xml version="1.0" encoding="utf-8"?>
+<p:sld xmlns:a="http://schemas.openxmlformats.org/drawingml/2006/main" xmlns:r="http://schemas.openxmlformats.org/officeDocument/2006/relationships" xmlns:p="http://schemas.openxmlformats.org/presentationml/2006/main">
+  <p:cSld>
+    <p:spTree>
+      <p:nvGrpSpPr>
+        <p:cNvPr id="1" name=""/>
+        <p:cNvGrpSpPr/>
+        <p:nvPr/>
+      </p:nvGrpSpPr>
+      <p:grpSpPr>
+        <a:xfrm>
+          <a:off x="0" y="0"/>
+          <a:ext cx="0" cy="0"/>
+          <a:chOff x="0" y="0"/>
+          <a:chExt cx="0" cy="0"/>
+        </a:xfrm>
+      </p:grpSpPr>
+      <p:sp>
+        <p:nvSpPr>
+          <p:cNvPr id="2" name="Título 1"/>
+          <p:cNvSpPr>
+            <a:spLocks noGrp="1"/>
+          </p:cNvSpPr>
+          <p:nvPr>
+            <p:ph type="title"/>
+          </p:nvPr>
+        </p:nvSpPr>
+        <p:spPr/>
+        <p:txBody>
+          <a:bodyPr/>
+          <a:lstStyle/>
+          <a:p>
+            <a:endParaRPr lang="es-MX"/>
+          </a:p>
+        </p:txBody>
+      </p:sp>
+      <p:sp>
+        <p:nvSpPr>
+          <p:cNvPr id="3" name="Marcador de contenido 2"/>
+          <p:cNvSpPr>
+            <a:spLocks noGrp="1"/>
+          </p:cNvSpPr>
+          <p:nvPr>
+            <p:ph idx="1"/>
+          </p:nvPr>
+        </p:nvSpPr>
+        <p:spPr/>
+        <p:txBody>
+          <a:bodyPr/>
+          <a:lstStyle/>
+          <a:p>
+            <a:endParaRPr lang="es-MX"/>
+          </a:p>
+        </p:txBody>
+      </p:sp>
+      <p:pic>
+        <p:nvPicPr>
           <p:cNvPr id="5" name="Imagen 4"/>
           <p:cNvPicPr>
             <a:picLocks noChangeAspect="1"/>
@@ -5520,7 +5799,7 @@
 </p:sld>
 </file>
 
-<file path=ppt/slides/slide31.xml><?xml version="1.0" encoding="utf-8"?>
+<file path=ppt/slides/slide34.xml><?xml version="1.0" encoding="utf-8"?>
 <p:sld xmlns:a="http://schemas.openxmlformats.org/drawingml/2006/main" xmlns:r="http://schemas.openxmlformats.org/officeDocument/2006/relationships" xmlns:p="http://schemas.openxmlformats.org/presentationml/2006/main">
   <p:cSld>
     <p:spTree>
@@ -5619,7 +5898,7 @@
 </p:sld>
 </file>
 
-<file path=ppt/slides/slide32.xml><?xml version="1.0" encoding="utf-8"?>
+<file path=ppt/slides/slide35.xml><?xml version="1.0" encoding="utf-8"?>
 <p:sld xmlns:a="http://schemas.openxmlformats.org/drawingml/2006/main" xmlns:r="http://schemas.openxmlformats.org/officeDocument/2006/relationships" xmlns:p="http://schemas.openxmlformats.org/presentationml/2006/main">
   <p:cSld>
     <p:spTree>
@@ -5718,7 +5997,7 @@
 </p:sld>
 </file>
 
-<file path=ppt/slides/slide33.xml><?xml version="1.0" encoding="utf-8"?>
+<file path=ppt/slides/slide36.xml><?xml version="1.0" encoding="utf-8"?>
 <p:sld xmlns:a="http://schemas.openxmlformats.org/drawingml/2006/main" xmlns:r="http://schemas.openxmlformats.org/officeDocument/2006/relationships" xmlns:p="http://schemas.openxmlformats.org/presentationml/2006/main">
   <p:cSld>
     <p:spTree>
@@ -5817,7 +6096,7 @@
 </p:sld>
 </file>
 
-<file path=ppt/slides/slide34.xml><?xml version="1.0" encoding="utf-8"?>
+<file path=ppt/slides/slide37.xml><?xml version="1.0" encoding="utf-8"?>
 <p:sld xmlns:a="http://schemas.openxmlformats.org/drawingml/2006/main" xmlns:r="http://schemas.openxmlformats.org/officeDocument/2006/relationships" xmlns:p="http://schemas.openxmlformats.org/presentationml/2006/main">
   <p:cSld>
     <p:spTree>
@@ -5947,478 +6226,6 @@
     <p:extLst>
       <p:ext uri="{BB962C8B-B14F-4D97-AF65-F5344CB8AC3E}">
         <p14:creationId xmlns:p14="http://schemas.microsoft.com/office/powerpoint/2010/main" val="1499310736"/>
-      </p:ext>
-    </p:extLst>
-  </p:cSld>
-  <p:clrMapOvr>
-    <a:masterClrMapping/>
-  </p:clrMapOvr>
-  <p:timing>
-    <p:tnLst>
-      <p:par>
-        <p:cTn id="1" dur="indefinite" restart="never" nodeType="tmRoot"/>
-      </p:par>
-    </p:tnLst>
-  </p:timing>
-</p:sld>
-</file>
-
-<file path=ppt/slides/slide35.xml><?xml version="1.0" encoding="utf-8"?>
-<p:sld xmlns:a="http://schemas.openxmlformats.org/drawingml/2006/main" xmlns:r="http://schemas.openxmlformats.org/officeDocument/2006/relationships" xmlns:p="http://schemas.openxmlformats.org/presentationml/2006/main">
-  <p:cSld>
-    <p:spTree>
-      <p:nvGrpSpPr>
-        <p:cNvPr id="1" name=""/>
-        <p:cNvGrpSpPr/>
-        <p:nvPr/>
-      </p:nvGrpSpPr>
-      <p:grpSpPr>
-        <a:xfrm>
-          <a:off x="0" y="0"/>
-          <a:ext cx="0" cy="0"/>
-          <a:chOff x="0" y="0"/>
-          <a:chExt cx="0" cy="0"/>
-        </a:xfrm>
-      </p:grpSpPr>
-      <p:pic>
-        <p:nvPicPr>
-          <p:cNvPr id="6" name="Imagen 5"/>
-          <p:cNvPicPr>
-            <a:picLocks noChangeAspect="1"/>
-          </p:cNvPicPr>
-          <p:nvPr/>
-        </p:nvPicPr>
-        <p:blipFill>
-          <a:blip r:embed="rId2"/>
-          <a:stretch>
-            <a:fillRect/>
-          </a:stretch>
-        </p:blipFill>
-        <p:spPr>
-          <a:xfrm>
-            <a:off x="700087" y="385762"/>
-            <a:ext cx="10791825" cy="6086475"/>
-          </a:xfrm>
-          <a:prstGeom prst="rect">
-            <a:avLst/>
-          </a:prstGeom>
-        </p:spPr>
-      </p:pic>
-      <p:sp>
-        <p:nvSpPr>
-          <p:cNvPr id="2" name="Título 1"/>
-          <p:cNvSpPr>
-            <a:spLocks noGrp="1"/>
-          </p:cNvSpPr>
-          <p:nvPr>
-            <p:ph type="title"/>
-          </p:nvPr>
-        </p:nvSpPr>
-        <p:spPr/>
-        <p:txBody>
-          <a:bodyPr/>
-          <a:lstStyle/>
-          <a:p>
-            <a:r>
-              <a:rPr lang="es-MX" dirty="0" smtClean="0"/>
-              <a:t/>
-            </a:r>
-            <a:br>
-              <a:rPr lang="es-MX" dirty="0" smtClean="0"/>
-            </a:br>
-            <a:endParaRPr lang="es-MX" dirty="0"/>
-          </a:p>
-        </p:txBody>
-      </p:sp>
-      <p:sp>
-        <p:nvSpPr>
-          <p:cNvPr id="3" name="Marcador de contenido 2"/>
-          <p:cNvSpPr>
-            <a:spLocks noGrp="1"/>
-          </p:cNvSpPr>
-          <p:nvPr>
-            <p:ph idx="1"/>
-          </p:nvPr>
-        </p:nvSpPr>
-        <p:spPr/>
-        <p:txBody>
-          <a:bodyPr/>
-          <a:lstStyle/>
-          <a:p>
-            <a:endParaRPr lang="es-MX" dirty="0" smtClean="0"/>
-          </a:p>
-          <a:p>
-            <a:endParaRPr lang="es-MX" dirty="0"/>
-          </a:p>
-        </p:txBody>
-      </p:sp>
-      <p:sp>
-        <p:nvSpPr>
-          <p:cNvPr id="5" name="Elipse 4"/>
-          <p:cNvSpPr/>
-          <p:nvPr/>
-        </p:nvSpPr>
-        <p:spPr>
-          <a:xfrm rot="19901093">
-            <a:off x="-1397665" y="-160412"/>
-            <a:ext cx="4503476" cy="2539478"/>
-          </a:xfrm>
-          <a:prstGeom prst="ellipse">
-            <a:avLst/>
-          </a:prstGeom>
-          <a:solidFill>
-            <a:schemeClr val="tx1"/>
-          </a:solidFill>
-        </p:spPr>
-        <p:style>
-          <a:lnRef idx="2">
-            <a:schemeClr val="accent1">
-              <a:shade val="50000"/>
-            </a:schemeClr>
-          </a:lnRef>
-          <a:fillRef idx="1">
-            <a:schemeClr val="accent1"/>
-          </a:fillRef>
-          <a:effectRef idx="0">
-            <a:schemeClr val="accent1"/>
-          </a:effectRef>
-          <a:fontRef idx="minor">
-            <a:schemeClr val="lt1"/>
-          </a:fontRef>
-        </p:style>
-        <p:txBody>
-          <a:bodyPr rtlCol="0" anchor="ctr"/>
-          <a:lstStyle/>
-          <a:p>
-            <a:pPr algn="ctr"/>
-            <a:r>
-              <a:rPr lang="es-MX" dirty="0" smtClean="0"/>
-              <a:t>Las puntuaciones totales se muestran individualmente</a:t>
-            </a:r>
-            <a:endParaRPr lang="es-MX" dirty="0"/>
-          </a:p>
-        </p:txBody>
-      </p:sp>
-    </p:spTree>
-    <p:extLst>
-      <p:ext uri="{BB962C8B-B14F-4D97-AF65-F5344CB8AC3E}">
-        <p14:creationId xmlns:p14="http://schemas.microsoft.com/office/powerpoint/2010/main" val="4050056856"/>
-      </p:ext>
-    </p:extLst>
-  </p:cSld>
-  <p:clrMapOvr>
-    <a:masterClrMapping/>
-  </p:clrMapOvr>
-  <p:timing>
-    <p:tnLst>
-      <p:par>
-        <p:cTn id="1" dur="indefinite" restart="never" nodeType="tmRoot"/>
-      </p:par>
-    </p:tnLst>
-  </p:timing>
-</p:sld>
-</file>
-
-<file path=ppt/slides/slide36.xml><?xml version="1.0" encoding="utf-8"?>
-<p:sld xmlns:a="http://schemas.openxmlformats.org/drawingml/2006/main" xmlns:r="http://schemas.openxmlformats.org/officeDocument/2006/relationships" xmlns:p="http://schemas.openxmlformats.org/presentationml/2006/main">
-  <p:cSld>
-    <p:spTree>
-      <p:nvGrpSpPr>
-        <p:cNvPr id="1" name=""/>
-        <p:cNvGrpSpPr/>
-        <p:nvPr/>
-      </p:nvGrpSpPr>
-      <p:grpSpPr>
-        <a:xfrm>
-          <a:off x="0" y="0"/>
-          <a:ext cx="0" cy="0"/>
-          <a:chOff x="0" y="0"/>
-          <a:chExt cx="0" cy="0"/>
-        </a:xfrm>
-      </p:grpSpPr>
-      <p:sp>
-        <p:nvSpPr>
-          <p:cNvPr id="2" name="Título 1"/>
-          <p:cNvSpPr>
-            <a:spLocks noGrp="1"/>
-          </p:cNvSpPr>
-          <p:nvPr>
-            <p:ph type="title"/>
-          </p:nvPr>
-        </p:nvSpPr>
-        <p:spPr/>
-        <p:txBody>
-          <a:bodyPr/>
-          <a:lstStyle/>
-          <a:p>
-            <a:endParaRPr lang="es-MX"/>
-          </a:p>
-        </p:txBody>
-      </p:sp>
-      <p:sp>
-        <p:nvSpPr>
-          <p:cNvPr id="3" name="Marcador de contenido 2"/>
-          <p:cNvSpPr>
-            <a:spLocks noGrp="1"/>
-          </p:cNvSpPr>
-          <p:nvPr>
-            <p:ph idx="1"/>
-          </p:nvPr>
-        </p:nvSpPr>
-        <p:spPr/>
-        <p:txBody>
-          <a:bodyPr/>
-          <a:lstStyle/>
-          <a:p>
-            <a:endParaRPr lang="es-MX"/>
-          </a:p>
-        </p:txBody>
-      </p:sp>
-      <p:pic>
-        <p:nvPicPr>
-          <p:cNvPr id="4" name="Imagen 3"/>
-          <p:cNvPicPr>
-            <a:picLocks noChangeAspect="1"/>
-          </p:cNvPicPr>
-          <p:nvPr/>
-        </p:nvPicPr>
-        <p:blipFill>
-          <a:blip r:embed="rId2"/>
-          <a:stretch>
-            <a:fillRect/>
-          </a:stretch>
-        </p:blipFill>
-        <p:spPr>
-          <a:xfrm>
-            <a:off x="766762" y="366712"/>
-            <a:ext cx="10658475" cy="6124575"/>
-          </a:xfrm>
-          <a:prstGeom prst="rect">
-            <a:avLst/>
-          </a:prstGeom>
-        </p:spPr>
-      </p:pic>
-      <p:pic>
-        <p:nvPicPr>
-          <p:cNvPr id="7" name="Imagen 6"/>
-          <p:cNvPicPr>
-            <a:picLocks noChangeAspect="1"/>
-          </p:cNvPicPr>
-          <p:nvPr/>
-        </p:nvPicPr>
-        <p:blipFill>
-          <a:blip r:embed="rId3"/>
-          <a:stretch>
-            <a:fillRect/>
-          </a:stretch>
-        </p:blipFill>
-        <p:spPr>
-          <a:xfrm>
-            <a:off x="766762" y="385762"/>
-            <a:ext cx="10658475" cy="6086475"/>
-          </a:xfrm>
-          <a:prstGeom prst="rect">
-            <a:avLst/>
-          </a:prstGeom>
-        </p:spPr>
-      </p:pic>
-      <p:sp>
-        <p:nvSpPr>
-          <p:cNvPr id="8" name="Elipse 7"/>
-          <p:cNvSpPr/>
-          <p:nvPr/>
-        </p:nvSpPr>
-        <p:spPr>
-          <a:xfrm rot="19901093">
-            <a:off x="-1413538" y="-173291"/>
-            <a:ext cx="4503476" cy="2539478"/>
-          </a:xfrm>
-          <a:prstGeom prst="ellipse">
-            <a:avLst/>
-          </a:prstGeom>
-          <a:solidFill>
-            <a:schemeClr val="tx1"/>
-          </a:solidFill>
-        </p:spPr>
-        <p:style>
-          <a:lnRef idx="2">
-            <a:schemeClr val="accent1">
-              <a:shade val="50000"/>
-            </a:schemeClr>
-          </a:lnRef>
-          <a:fillRef idx="1">
-            <a:schemeClr val="accent1"/>
-          </a:fillRef>
-          <a:effectRef idx="0">
-            <a:schemeClr val="accent1"/>
-          </a:effectRef>
-          <a:fontRef idx="minor">
-            <a:schemeClr val="lt1"/>
-          </a:fontRef>
-        </p:style>
-        <p:txBody>
-          <a:bodyPr rtlCol="0" anchor="ctr"/>
-          <a:lstStyle/>
-          <a:p>
-            <a:pPr algn="ctr"/>
-            <a:r>
-              <a:rPr lang="es-MX" dirty="0" smtClean="0"/>
-              <a:t>Las puntuaciones totales se muestran individualmente</a:t>
-            </a:r>
-            <a:endParaRPr lang="es-MX" dirty="0"/>
-          </a:p>
-        </p:txBody>
-      </p:sp>
-    </p:spTree>
-    <p:extLst>
-      <p:ext uri="{BB962C8B-B14F-4D97-AF65-F5344CB8AC3E}">
-        <p14:creationId xmlns:p14="http://schemas.microsoft.com/office/powerpoint/2010/main" val="1736166284"/>
-      </p:ext>
-    </p:extLst>
-  </p:cSld>
-  <p:clrMapOvr>
-    <a:masterClrMapping/>
-  </p:clrMapOvr>
-  <p:timing>
-    <p:tnLst>
-      <p:par>
-        <p:cTn id="1" dur="indefinite" restart="never" nodeType="tmRoot"/>
-      </p:par>
-    </p:tnLst>
-  </p:timing>
-</p:sld>
-</file>
-
-<file path=ppt/slides/slide37.xml><?xml version="1.0" encoding="utf-8"?>
-<p:sld xmlns:a="http://schemas.openxmlformats.org/drawingml/2006/main" xmlns:r="http://schemas.openxmlformats.org/officeDocument/2006/relationships" xmlns:p="http://schemas.openxmlformats.org/presentationml/2006/main">
-  <p:cSld>
-    <p:spTree>
-      <p:nvGrpSpPr>
-        <p:cNvPr id="1" name=""/>
-        <p:cNvGrpSpPr/>
-        <p:nvPr/>
-      </p:nvGrpSpPr>
-      <p:grpSpPr>
-        <a:xfrm>
-          <a:off x="0" y="0"/>
-          <a:ext cx="0" cy="0"/>
-          <a:chOff x="0" y="0"/>
-          <a:chExt cx="0" cy="0"/>
-        </a:xfrm>
-      </p:grpSpPr>
-      <p:sp>
-        <p:nvSpPr>
-          <p:cNvPr id="2" name="Título 1"/>
-          <p:cNvSpPr>
-            <a:spLocks noGrp="1"/>
-          </p:cNvSpPr>
-          <p:nvPr>
-            <p:ph type="title"/>
-          </p:nvPr>
-        </p:nvSpPr>
-        <p:spPr/>
-        <p:txBody>
-          <a:bodyPr/>
-          <a:lstStyle/>
-          <a:p>
-            <a:endParaRPr lang="es-MX"/>
-          </a:p>
-        </p:txBody>
-      </p:sp>
-      <p:sp>
-        <p:nvSpPr>
-          <p:cNvPr id="3" name="Marcador de contenido 2"/>
-          <p:cNvSpPr>
-            <a:spLocks noGrp="1"/>
-          </p:cNvSpPr>
-          <p:nvPr>
-            <p:ph idx="1"/>
-          </p:nvPr>
-        </p:nvSpPr>
-        <p:spPr/>
-        <p:txBody>
-          <a:bodyPr/>
-          <a:lstStyle/>
-          <a:p>
-            <a:endParaRPr lang="es-MX"/>
-          </a:p>
-        </p:txBody>
-      </p:sp>
-      <p:pic>
-        <p:nvPicPr>
-          <p:cNvPr id="6" name="Imagen 5"/>
-          <p:cNvPicPr>
-            <a:picLocks noChangeAspect="1"/>
-          </p:cNvPicPr>
-          <p:nvPr/>
-        </p:nvPicPr>
-        <p:blipFill>
-          <a:blip r:embed="rId2"/>
-          <a:stretch>
-            <a:fillRect/>
-          </a:stretch>
-        </p:blipFill>
-        <p:spPr>
-          <a:xfrm>
-            <a:off x="709612" y="404812"/>
-            <a:ext cx="10772775" cy="6048375"/>
-          </a:xfrm>
-          <a:prstGeom prst="rect">
-            <a:avLst/>
-          </a:prstGeom>
-        </p:spPr>
-      </p:pic>
-      <p:sp>
-        <p:nvSpPr>
-          <p:cNvPr id="8" name="Elipse 7"/>
-          <p:cNvSpPr/>
-          <p:nvPr/>
-        </p:nvSpPr>
-        <p:spPr>
-          <a:xfrm rot="19901093">
-            <a:off x="-1413538" y="-173291"/>
-            <a:ext cx="4503476" cy="2539478"/>
-          </a:xfrm>
-          <a:prstGeom prst="ellipse">
-            <a:avLst/>
-          </a:prstGeom>
-          <a:solidFill>
-            <a:schemeClr val="tx1"/>
-          </a:solidFill>
-        </p:spPr>
-        <p:style>
-          <a:lnRef idx="2">
-            <a:schemeClr val="accent1">
-              <a:shade val="50000"/>
-            </a:schemeClr>
-          </a:lnRef>
-          <a:fillRef idx="1">
-            <a:schemeClr val="accent1"/>
-          </a:fillRef>
-          <a:effectRef idx="0">
-            <a:schemeClr val="accent1"/>
-          </a:effectRef>
-          <a:fontRef idx="minor">
-            <a:schemeClr val="lt1"/>
-          </a:fontRef>
-        </p:style>
-        <p:txBody>
-          <a:bodyPr rtlCol="0" anchor="ctr"/>
-          <a:lstStyle/>
-          <a:p>
-            <a:pPr algn="ctr"/>
-            <a:r>
-              <a:rPr lang="es-MX" dirty="0" smtClean="0"/>
-              <a:t>Las puntuaciones totales se muestran individualmente</a:t>
-            </a:r>
-            <a:endParaRPr lang="es-MX" dirty="0"/>
-          </a:p>
-        </p:txBody>
-      </p:sp>
-    </p:spTree>
-    <p:extLst>
-      <p:ext uri="{BB962C8B-B14F-4D97-AF65-F5344CB8AC3E}">
-        <p14:creationId xmlns:p14="http://schemas.microsoft.com/office/powerpoint/2010/main" val="1370804219"/>
       </p:ext>
     </p:extLst>
   </p:cSld>
@@ -6468,8 +6275,8 @@
         </p:blipFill>
         <p:spPr>
           <a:xfrm>
-            <a:off x="785812" y="461962"/>
-            <a:ext cx="10620375" cy="5934075"/>
+            <a:off x="700087" y="385762"/>
+            <a:ext cx="10791825" cy="6086475"/>
           </a:xfrm>
           <a:prstGeom prst="rect">
             <a:avLst/>
@@ -6565,15 +6372,7 @@
             <a:pPr algn="ctr"/>
             <a:r>
               <a:rPr lang="es-MX" dirty="0" smtClean="0"/>
-              <a:t>Las puntuaciones totales son agrupadas en “</a:t>
-            </a:r>
-            <a:r>
-              <a:rPr lang="es-MX" dirty="0" err="1" smtClean="0"/>
-              <a:t>bins</a:t>
-            </a:r>
-            <a:r>
-              <a:rPr lang="es-MX" dirty="0" smtClean="0"/>
-              <a:t>”</a:t>
+              <a:t>Las puntuaciones totales se muestran individualmente</a:t>
             </a:r>
             <a:endParaRPr lang="es-MX" dirty="0"/>
           </a:p>
@@ -6582,7 +6381,7 @@
     </p:spTree>
     <p:extLst>
       <p:ext uri="{BB962C8B-B14F-4D97-AF65-F5344CB8AC3E}">
-        <p14:creationId xmlns:p14="http://schemas.microsoft.com/office/powerpoint/2010/main" val="1587609309"/>
+        <p14:creationId xmlns:p14="http://schemas.microsoft.com/office/powerpoint/2010/main" val="4050056856"/>
       </p:ext>
     </p:extLst>
   </p:cSld>
@@ -6616,9 +6415,47 @@
           <a:chExt cx="0" cy="0"/>
         </a:xfrm>
       </p:grpSpPr>
+      <p:sp>
+        <p:nvSpPr>
+          <p:cNvPr id="2" name="Título 1"/>
+          <p:cNvSpPr>
+            <a:spLocks noGrp="1"/>
+          </p:cNvSpPr>
+          <p:nvPr>
+            <p:ph type="title"/>
+          </p:nvPr>
+        </p:nvSpPr>
+        <p:spPr/>
+        <p:txBody>
+          <a:bodyPr/>
+          <a:lstStyle/>
+          <a:p>
+            <a:endParaRPr lang="es-MX"/>
+          </a:p>
+        </p:txBody>
+      </p:sp>
+      <p:sp>
+        <p:nvSpPr>
+          <p:cNvPr id="3" name="Marcador de contenido 2"/>
+          <p:cNvSpPr>
+            <a:spLocks noGrp="1"/>
+          </p:cNvSpPr>
+          <p:nvPr>
+            <p:ph idx="1"/>
+          </p:nvPr>
+        </p:nvSpPr>
+        <p:spPr/>
+        <p:txBody>
+          <a:bodyPr/>
+          <a:lstStyle/>
+          <a:p>
+            <a:endParaRPr lang="es-MX"/>
+          </a:p>
+        </p:txBody>
+      </p:sp>
       <p:pic>
         <p:nvPicPr>
-          <p:cNvPr id="5" name="Imagen 4"/>
+          <p:cNvPr id="4" name="Imagen 3"/>
           <p:cNvPicPr>
             <a:picLocks noChangeAspect="1"/>
           </p:cNvPicPr>
@@ -6632,71 +6469,47 @@
         </p:blipFill>
         <p:spPr>
           <a:xfrm>
-            <a:off x="766762" y="481012"/>
-            <a:ext cx="10658475" cy="5895975"/>
+            <a:off x="766762" y="366712"/>
+            <a:ext cx="10658475" cy="6124575"/>
           </a:xfrm>
           <a:prstGeom prst="rect">
             <a:avLst/>
           </a:prstGeom>
         </p:spPr>
       </p:pic>
-      <p:sp>
-        <p:nvSpPr>
-          <p:cNvPr id="2" name="Título 1"/>
-          <p:cNvSpPr>
-            <a:spLocks noGrp="1"/>
-          </p:cNvSpPr>
-          <p:nvPr>
-            <p:ph type="title"/>
-          </p:nvPr>
-        </p:nvSpPr>
-        <p:spPr/>
-        <p:txBody>
-          <a:bodyPr/>
-          <a:lstStyle/>
-          <a:p>
-            <a:r>
-              <a:rPr lang="es-MX" dirty="0" smtClean="0"/>
-              <a:t/>
-            </a:r>
-            <a:br>
-              <a:rPr lang="es-MX" dirty="0" smtClean="0"/>
-            </a:br>
-            <a:endParaRPr lang="es-MX" dirty="0"/>
-          </a:p>
-        </p:txBody>
-      </p:sp>
-      <p:sp>
-        <p:nvSpPr>
-          <p:cNvPr id="3" name="Marcador de contenido 2"/>
-          <p:cNvSpPr>
-            <a:spLocks noGrp="1"/>
-          </p:cNvSpPr>
-          <p:nvPr>
-            <p:ph idx="1"/>
-          </p:nvPr>
-        </p:nvSpPr>
-        <p:spPr/>
-        <p:txBody>
-          <a:bodyPr/>
-          <a:lstStyle/>
-          <a:p>
-            <a:endParaRPr lang="es-MX" dirty="0" smtClean="0"/>
-          </a:p>
-          <a:p>
-            <a:endParaRPr lang="es-MX" dirty="0"/>
-          </a:p>
-        </p:txBody>
-      </p:sp>
-      <p:sp>
-        <p:nvSpPr>
-          <p:cNvPr id="6" name="Elipse 5"/>
+      <p:pic>
+        <p:nvPicPr>
+          <p:cNvPr id="7" name="Imagen 6"/>
+          <p:cNvPicPr>
+            <a:picLocks noChangeAspect="1"/>
+          </p:cNvPicPr>
+          <p:nvPr/>
+        </p:nvPicPr>
+        <p:blipFill>
+          <a:blip r:embed="rId3"/>
+          <a:stretch>
+            <a:fillRect/>
+          </a:stretch>
+        </p:blipFill>
+        <p:spPr>
+          <a:xfrm>
+            <a:off x="766762" y="385762"/>
+            <a:ext cx="10658475" cy="6086475"/>
+          </a:xfrm>
+          <a:prstGeom prst="rect">
+            <a:avLst/>
+          </a:prstGeom>
+        </p:spPr>
+      </p:pic>
+      <p:sp>
+        <p:nvSpPr>
+          <p:cNvPr id="8" name="Elipse 7"/>
           <p:cNvSpPr/>
           <p:nvPr/>
         </p:nvSpPr>
         <p:spPr>
           <a:xfrm rot="19901093">
-            <a:off x="-1397665" y="-160412"/>
+            <a:off x="-1413538" y="-173291"/>
             <a:ext cx="4503476" cy="2539478"/>
           </a:xfrm>
           <a:prstGeom prst="ellipse">
@@ -6729,15 +6542,7 @@
             <a:pPr algn="ctr"/>
             <a:r>
               <a:rPr lang="es-MX" dirty="0" smtClean="0"/>
-              <a:t>Las puntuaciones totales son agrupadas en “</a:t>
-            </a:r>
-            <a:r>
-              <a:rPr lang="es-MX" dirty="0" err="1" smtClean="0"/>
-              <a:t>bins</a:t>
-            </a:r>
-            <a:r>
-              <a:rPr lang="es-MX" dirty="0" smtClean="0"/>
-              <a:t>”</a:t>
+              <a:t>Las puntuaciones totales se muestran individualmente</a:t>
             </a:r>
             <a:endParaRPr lang="es-MX" dirty="0"/>
           </a:p>
@@ -6746,7 +6551,7 @@
     </p:spTree>
     <p:extLst>
       <p:ext uri="{BB962C8B-B14F-4D97-AF65-F5344CB8AC3E}">
-        <p14:creationId xmlns:p14="http://schemas.microsoft.com/office/powerpoint/2010/main" val="1562983786"/>
+        <p14:creationId xmlns:p14="http://schemas.microsoft.com/office/powerpoint/2010/main" val="1736166284"/>
       </p:ext>
     </p:extLst>
   </p:cSld>
@@ -6933,8 +6738,8 @@
         </p:blipFill>
         <p:spPr>
           <a:xfrm>
-            <a:off x="719137" y="395287"/>
-            <a:ext cx="10753725" cy="6067425"/>
+            <a:off x="709612" y="404812"/>
+            <a:ext cx="10772775" cy="6048375"/>
           </a:xfrm>
           <a:prstGeom prst="rect">
             <a:avLst/>
@@ -6943,13 +6748,13 @@
       </p:pic>
       <p:sp>
         <p:nvSpPr>
-          <p:cNvPr id="7" name="Elipse 6"/>
+          <p:cNvPr id="8" name="Elipse 7"/>
           <p:cNvSpPr/>
           <p:nvPr/>
         </p:nvSpPr>
         <p:spPr>
           <a:xfrm rot="19901093">
-            <a:off x="-1397665" y="-160412"/>
+            <a:off x="-1413538" y="-173291"/>
             <a:ext cx="4503476" cy="2539478"/>
           </a:xfrm>
           <a:prstGeom prst="ellipse">
@@ -6982,15 +6787,7 @@
             <a:pPr algn="ctr"/>
             <a:r>
               <a:rPr lang="es-MX" dirty="0" smtClean="0"/>
-              <a:t>Las puntuaciones totales son agrupadas en “</a:t>
-            </a:r>
-            <a:r>
-              <a:rPr lang="es-MX" dirty="0" err="1" smtClean="0"/>
-              <a:t>bins</a:t>
-            </a:r>
-            <a:r>
-              <a:rPr lang="es-MX" dirty="0" smtClean="0"/>
-              <a:t>”</a:t>
+              <a:t>Las puntuaciones totales se muestran individualmente</a:t>
             </a:r>
             <a:endParaRPr lang="es-MX" dirty="0"/>
           </a:p>
@@ -6999,7 +6796,7 @@
     </p:spTree>
     <p:extLst>
       <p:ext uri="{BB962C8B-B14F-4D97-AF65-F5344CB8AC3E}">
-        <p14:creationId xmlns:p14="http://schemas.microsoft.com/office/powerpoint/2010/main" val="2102470797"/>
+        <p14:creationId xmlns:p14="http://schemas.microsoft.com/office/powerpoint/2010/main" val="1370804219"/>
       </p:ext>
     </p:extLst>
   </p:cSld>
@@ -7033,47 +6830,9 @@
           <a:chExt cx="0" cy="0"/>
         </a:xfrm>
       </p:grpSpPr>
-      <p:sp>
-        <p:nvSpPr>
-          <p:cNvPr id="2" name="Título 1"/>
-          <p:cNvSpPr>
-            <a:spLocks noGrp="1"/>
-          </p:cNvSpPr>
-          <p:nvPr>
-            <p:ph type="title"/>
-          </p:nvPr>
-        </p:nvSpPr>
-        <p:spPr/>
-        <p:txBody>
-          <a:bodyPr/>
-          <a:lstStyle/>
-          <a:p>
-            <a:endParaRPr lang="es-MX"/>
-          </a:p>
-        </p:txBody>
-      </p:sp>
-      <p:sp>
-        <p:nvSpPr>
-          <p:cNvPr id="3" name="Marcador de contenido 2"/>
-          <p:cNvSpPr>
-            <a:spLocks noGrp="1"/>
-          </p:cNvSpPr>
-          <p:nvPr>
-            <p:ph idx="1"/>
-          </p:nvPr>
-        </p:nvSpPr>
-        <p:spPr/>
-        <p:txBody>
-          <a:bodyPr/>
-          <a:lstStyle/>
-          <a:p>
-            <a:endParaRPr lang="es-MX"/>
-          </a:p>
-        </p:txBody>
-      </p:sp>
       <p:pic>
         <p:nvPicPr>
-          <p:cNvPr id="9" name="Imagen 8"/>
+          <p:cNvPr id="6" name="Imagen 5"/>
           <p:cNvPicPr>
             <a:picLocks noChangeAspect="1"/>
           </p:cNvPicPr>
@@ -7087,8 +6846,8 @@
         </p:blipFill>
         <p:spPr>
           <a:xfrm>
-            <a:off x="728662" y="357187"/>
-            <a:ext cx="10734675" cy="6143625"/>
+            <a:off x="785812" y="461962"/>
+            <a:ext cx="10620375" cy="5934075"/>
           </a:xfrm>
           <a:prstGeom prst="rect">
             <a:avLst/>
@@ -7097,7 +6856,55 @@
       </p:pic>
       <p:sp>
         <p:nvSpPr>
-          <p:cNvPr id="10" name="Elipse 9"/>
+          <p:cNvPr id="2" name="Título 1"/>
+          <p:cNvSpPr>
+            <a:spLocks noGrp="1"/>
+          </p:cNvSpPr>
+          <p:nvPr>
+            <p:ph type="title"/>
+          </p:nvPr>
+        </p:nvSpPr>
+        <p:spPr/>
+        <p:txBody>
+          <a:bodyPr/>
+          <a:lstStyle/>
+          <a:p>
+            <a:r>
+              <a:rPr lang="es-MX" dirty="0" smtClean="0"/>
+              <a:t/>
+            </a:r>
+            <a:br>
+              <a:rPr lang="es-MX" dirty="0" smtClean="0"/>
+            </a:br>
+            <a:endParaRPr lang="es-MX" dirty="0"/>
+          </a:p>
+        </p:txBody>
+      </p:sp>
+      <p:sp>
+        <p:nvSpPr>
+          <p:cNvPr id="3" name="Marcador de contenido 2"/>
+          <p:cNvSpPr>
+            <a:spLocks noGrp="1"/>
+          </p:cNvSpPr>
+          <p:nvPr>
+            <p:ph idx="1"/>
+          </p:nvPr>
+        </p:nvSpPr>
+        <p:spPr/>
+        <p:txBody>
+          <a:bodyPr/>
+          <a:lstStyle/>
+          <a:p>
+            <a:endParaRPr lang="es-MX" dirty="0" smtClean="0"/>
+          </a:p>
+          <a:p>
+            <a:endParaRPr lang="es-MX" dirty="0"/>
+          </a:p>
+        </p:txBody>
+      </p:sp>
+      <p:sp>
+        <p:nvSpPr>
+          <p:cNvPr id="5" name="Elipse 4"/>
           <p:cNvSpPr/>
           <p:nvPr/>
         </p:nvSpPr>
@@ -7153,7 +6960,7 @@
     </p:spTree>
     <p:extLst>
       <p:ext uri="{BB962C8B-B14F-4D97-AF65-F5344CB8AC3E}">
-        <p14:creationId xmlns:p14="http://schemas.microsoft.com/office/powerpoint/2010/main" val="2683875873"/>
+        <p14:creationId xmlns:p14="http://schemas.microsoft.com/office/powerpoint/2010/main" val="1587609309"/>
       </p:ext>
     </p:extLst>
   </p:cSld>
@@ -7187,6 +6994,478 @@
           <a:chExt cx="0" cy="0"/>
         </a:xfrm>
       </p:grpSpPr>
+      <p:pic>
+        <p:nvPicPr>
+          <p:cNvPr id="5" name="Imagen 4"/>
+          <p:cNvPicPr>
+            <a:picLocks noChangeAspect="1"/>
+          </p:cNvPicPr>
+          <p:nvPr/>
+        </p:nvPicPr>
+        <p:blipFill>
+          <a:blip r:embed="rId2"/>
+          <a:stretch>
+            <a:fillRect/>
+          </a:stretch>
+        </p:blipFill>
+        <p:spPr>
+          <a:xfrm>
+            <a:off x="766762" y="481012"/>
+            <a:ext cx="10658475" cy="5895975"/>
+          </a:xfrm>
+          <a:prstGeom prst="rect">
+            <a:avLst/>
+          </a:prstGeom>
+        </p:spPr>
+      </p:pic>
+      <p:sp>
+        <p:nvSpPr>
+          <p:cNvPr id="2" name="Título 1"/>
+          <p:cNvSpPr>
+            <a:spLocks noGrp="1"/>
+          </p:cNvSpPr>
+          <p:nvPr>
+            <p:ph type="title"/>
+          </p:nvPr>
+        </p:nvSpPr>
+        <p:spPr/>
+        <p:txBody>
+          <a:bodyPr/>
+          <a:lstStyle/>
+          <a:p>
+            <a:r>
+              <a:rPr lang="es-MX" dirty="0" smtClean="0"/>
+              <a:t/>
+            </a:r>
+            <a:br>
+              <a:rPr lang="es-MX" dirty="0" smtClean="0"/>
+            </a:br>
+            <a:endParaRPr lang="es-MX" dirty="0"/>
+          </a:p>
+        </p:txBody>
+      </p:sp>
+      <p:sp>
+        <p:nvSpPr>
+          <p:cNvPr id="3" name="Marcador de contenido 2"/>
+          <p:cNvSpPr>
+            <a:spLocks noGrp="1"/>
+          </p:cNvSpPr>
+          <p:nvPr>
+            <p:ph idx="1"/>
+          </p:nvPr>
+        </p:nvSpPr>
+        <p:spPr/>
+        <p:txBody>
+          <a:bodyPr/>
+          <a:lstStyle/>
+          <a:p>
+            <a:endParaRPr lang="es-MX" dirty="0" smtClean="0"/>
+          </a:p>
+          <a:p>
+            <a:endParaRPr lang="es-MX" dirty="0"/>
+          </a:p>
+        </p:txBody>
+      </p:sp>
+      <p:sp>
+        <p:nvSpPr>
+          <p:cNvPr id="6" name="Elipse 5"/>
+          <p:cNvSpPr/>
+          <p:nvPr/>
+        </p:nvSpPr>
+        <p:spPr>
+          <a:xfrm rot="19901093">
+            <a:off x="-1397665" y="-160412"/>
+            <a:ext cx="4503476" cy="2539478"/>
+          </a:xfrm>
+          <a:prstGeom prst="ellipse">
+            <a:avLst/>
+          </a:prstGeom>
+          <a:solidFill>
+            <a:schemeClr val="tx1"/>
+          </a:solidFill>
+        </p:spPr>
+        <p:style>
+          <a:lnRef idx="2">
+            <a:schemeClr val="accent1">
+              <a:shade val="50000"/>
+            </a:schemeClr>
+          </a:lnRef>
+          <a:fillRef idx="1">
+            <a:schemeClr val="accent1"/>
+          </a:fillRef>
+          <a:effectRef idx="0">
+            <a:schemeClr val="accent1"/>
+          </a:effectRef>
+          <a:fontRef idx="minor">
+            <a:schemeClr val="lt1"/>
+          </a:fontRef>
+        </p:style>
+        <p:txBody>
+          <a:bodyPr rtlCol="0" anchor="ctr"/>
+          <a:lstStyle/>
+          <a:p>
+            <a:pPr algn="ctr"/>
+            <a:r>
+              <a:rPr lang="es-MX" dirty="0" smtClean="0"/>
+              <a:t>Las puntuaciones totales son agrupadas en “</a:t>
+            </a:r>
+            <a:r>
+              <a:rPr lang="es-MX" dirty="0" err="1" smtClean="0"/>
+              <a:t>bins</a:t>
+            </a:r>
+            <a:r>
+              <a:rPr lang="es-MX" dirty="0" smtClean="0"/>
+              <a:t>”</a:t>
+            </a:r>
+            <a:endParaRPr lang="es-MX" dirty="0"/>
+          </a:p>
+        </p:txBody>
+      </p:sp>
+    </p:spTree>
+    <p:extLst>
+      <p:ext uri="{BB962C8B-B14F-4D97-AF65-F5344CB8AC3E}">
+        <p14:creationId xmlns:p14="http://schemas.microsoft.com/office/powerpoint/2010/main" val="1562983786"/>
+      </p:ext>
+    </p:extLst>
+  </p:cSld>
+  <p:clrMapOvr>
+    <a:masterClrMapping/>
+  </p:clrMapOvr>
+  <p:timing>
+    <p:tnLst>
+      <p:par>
+        <p:cTn id="1" dur="indefinite" restart="never" nodeType="tmRoot"/>
+      </p:par>
+    </p:tnLst>
+  </p:timing>
+</p:sld>
+</file>
+
+<file path=ppt/slides/slide43.xml><?xml version="1.0" encoding="utf-8"?>
+<p:sld xmlns:a="http://schemas.openxmlformats.org/drawingml/2006/main" xmlns:r="http://schemas.openxmlformats.org/officeDocument/2006/relationships" xmlns:p="http://schemas.openxmlformats.org/presentationml/2006/main">
+  <p:cSld>
+    <p:spTree>
+      <p:nvGrpSpPr>
+        <p:cNvPr id="1" name=""/>
+        <p:cNvGrpSpPr/>
+        <p:nvPr/>
+      </p:nvGrpSpPr>
+      <p:grpSpPr>
+        <a:xfrm>
+          <a:off x="0" y="0"/>
+          <a:ext cx="0" cy="0"/>
+          <a:chOff x="0" y="0"/>
+          <a:chExt cx="0" cy="0"/>
+        </a:xfrm>
+      </p:grpSpPr>
+      <p:sp>
+        <p:nvSpPr>
+          <p:cNvPr id="2" name="Título 1"/>
+          <p:cNvSpPr>
+            <a:spLocks noGrp="1"/>
+          </p:cNvSpPr>
+          <p:nvPr>
+            <p:ph type="title"/>
+          </p:nvPr>
+        </p:nvSpPr>
+        <p:spPr/>
+        <p:txBody>
+          <a:bodyPr/>
+          <a:lstStyle/>
+          <a:p>
+            <a:endParaRPr lang="es-MX"/>
+          </a:p>
+        </p:txBody>
+      </p:sp>
+      <p:sp>
+        <p:nvSpPr>
+          <p:cNvPr id="3" name="Marcador de contenido 2"/>
+          <p:cNvSpPr>
+            <a:spLocks noGrp="1"/>
+          </p:cNvSpPr>
+          <p:nvPr>
+            <p:ph idx="1"/>
+          </p:nvPr>
+        </p:nvSpPr>
+        <p:spPr/>
+        <p:txBody>
+          <a:bodyPr/>
+          <a:lstStyle/>
+          <a:p>
+            <a:endParaRPr lang="es-MX"/>
+          </a:p>
+        </p:txBody>
+      </p:sp>
+      <p:pic>
+        <p:nvPicPr>
+          <p:cNvPr id="6" name="Imagen 5"/>
+          <p:cNvPicPr>
+            <a:picLocks noChangeAspect="1"/>
+          </p:cNvPicPr>
+          <p:nvPr/>
+        </p:nvPicPr>
+        <p:blipFill>
+          <a:blip r:embed="rId2"/>
+          <a:stretch>
+            <a:fillRect/>
+          </a:stretch>
+        </p:blipFill>
+        <p:spPr>
+          <a:xfrm>
+            <a:off x="719137" y="395287"/>
+            <a:ext cx="10753725" cy="6067425"/>
+          </a:xfrm>
+          <a:prstGeom prst="rect">
+            <a:avLst/>
+          </a:prstGeom>
+        </p:spPr>
+      </p:pic>
+      <p:sp>
+        <p:nvSpPr>
+          <p:cNvPr id="7" name="Elipse 6"/>
+          <p:cNvSpPr/>
+          <p:nvPr/>
+        </p:nvSpPr>
+        <p:spPr>
+          <a:xfrm rot="19901093">
+            <a:off x="-1397665" y="-160412"/>
+            <a:ext cx="4503476" cy="2539478"/>
+          </a:xfrm>
+          <a:prstGeom prst="ellipse">
+            <a:avLst/>
+          </a:prstGeom>
+          <a:solidFill>
+            <a:schemeClr val="tx1"/>
+          </a:solidFill>
+        </p:spPr>
+        <p:style>
+          <a:lnRef idx="2">
+            <a:schemeClr val="accent1">
+              <a:shade val="50000"/>
+            </a:schemeClr>
+          </a:lnRef>
+          <a:fillRef idx="1">
+            <a:schemeClr val="accent1"/>
+          </a:fillRef>
+          <a:effectRef idx="0">
+            <a:schemeClr val="accent1"/>
+          </a:effectRef>
+          <a:fontRef idx="minor">
+            <a:schemeClr val="lt1"/>
+          </a:fontRef>
+        </p:style>
+        <p:txBody>
+          <a:bodyPr rtlCol="0" anchor="ctr"/>
+          <a:lstStyle/>
+          <a:p>
+            <a:pPr algn="ctr"/>
+            <a:r>
+              <a:rPr lang="es-MX" dirty="0" smtClean="0"/>
+              <a:t>Las puntuaciones totales son agrupadas en “</a:t>
+            </a:r>
+            <a:r>
+              <a:rPr lang="es-MX" dirty="0" err="1" smtClean="0"/>
+              <a:t>bins</a:t>
+            </a:r>
+            <a:r>
+              <a:rPr lang="es-MX" dirty="0" smtClean="0"/>
+              <a:t>”</a:t>
+            </a:r>
+            <a:endParaRPr lang="es-MX" dirty="0"/>
+          </a:p>
+        </p:txBody>
+      </p:sp>
+    </p:spTree>
+    <p:extLst>
+      <p:ext uri="{BB962C8B-B14F-4D97-AF65-F5344CB8AC3E}">
+        <p14:creationId xmlns:p14="http://schemas.microsoft.com/office/powerpoint/2010/main" val="2102470797"/>
+      </p:ext>
+    </p:extLst>
+  </p:cSld>
+  <p:clrMapOvr>
+    <a:masterClrMapping/>
+  </p:clrMapOvr>
+  <p:timing>
+    <p:tnLst>
+      <p:par>
+        <p:cTn id="1" dur="indefinite" restart="never" nodeType="tmRoot"/>
+      </p:par>
+    </p:tnLst>
+  </p:timing>
+</p:sld>
+</file>
+
+<file path=ppt/slides/slide44.xml><?xml version="1.0" encoding="utf-8"?>
+<p:sld xmlns:a="http://schemas.openxmlformats.org/drawingml/2006/main" xmlns:r="http://schemas.openxmlformats.org/officeDocument/2006/relationships" xmlns:p="http://schemas.openxmlformats.org/presentationml/2006/main">
+  <p:cSld>
+    <p:spTree>
+      <p:nvGrpSpPr>
+        <p:cNvPr id="1" name=""/>
+        <p:cNvGrpSpPr/>
+        <p:nvPr/>
+      </p:nvGrpSpPr>
+      <p:grpSpPr>
+        <a:xfrm>
+          <a:off x="0" y="0"/>
+          <a:ext cx="0" cy="0"/>
+          <a:chOff x="0" y="0"/>
+          <a:chExt cx="0" cy="0"/>
+        </a:xfrm>
+      </p:grpSpPr>
+      <p:sp>
+        <p:nvSpPr>
+          <p:cNvPr id="2" name="Título 1"/>
+          <p:cNvSpPr>
+            <a:spLocks noGrp="1"/>
+          </p:cNvSpPr>
+          <p:nvPr>
+            <p:ph type="title"/>
+          </p:nvPr>
+        </p:nvSpPr>
+        <p:spPr/>
+        <p:txBody>
+          <a:bodyPr/>
+          <a:lstStyle/>
+          <a:p>
+            <a:endParaRPr lang="es-MX"/>
+          </a:p>
+        </p:txBody>
+      </p:sp>
+      <p:sp>
+        <p:nvSpPr>
+          <p:cNvPr id="3" name="Marcador de contenido 2"/>
+          <p:cNvSpPr>
+            <a:spLocks noGrp="1"/>
+          </p:cNvSpPr>
+          <p:nvPr>
+            <p:ph idx="1"/>
+          </p:nvPr>
+        </p:nvSpPr>
+        <p:spPr/>
+        <p:txBody>
+          <a:bodyPr/>
+          <a:lstStyle/>
+          <a:p>
+            <a:endParaRPr lang="es-MX"/>
+          </a:p>
+        </p:txBody>
+      </p:sp>
+      <p:pic>
+        <p:nvPicPr>
+          <p:cNvPr id="9" name="Imagen 8"/>
+          <p:cNvPicPr>
+            <a:picLocks noChangeAspect="1"/>
+          </p:cNvPicPr>
+          <p:nvPr/>
+        </p:nvPicPr>
+        <p:blipFill>
+          <a:blip r:embed="rId2"/>
+          <a:stretch>
+            <a:fillRect/>
+          </a:stretch>
+        </p:blipFill>
+        <p:spPr>
+          <a:xfrm>
+            <a:off x="728662" y="357187"/>
+            <a:ext cx="10734675" cy="6143625"/>
+          </a:xfrm>
+          <a:prstGeom prst="rect">
+            <a:avLst/>
+          </a:prstGeom>
+        </p:spPr>
+      </p:pic>
+      <p:sp>
+        <p:nvSpPr>
+          <p:cNvPr id="10" name="Elipse 9"/>
+          <p:cNvSpPr/>
+          <p:nvPr/>
+        </p:nvSpPr>
+        <p:spPr>
+          <a:xfrm rot="19901093">
+            <a:off x="-1397665" y="-160412"/>
+            <a:ext cx="4503476" cy="2539478"/>
+          </a:xfrm>
+          <a:prstGeom prst="ellipse">
+            <a:avLst/>
+          </a:prstGeom>
+          <a:solidFill>
+            <a:schemeClr val="tx1"/>
+          </a:solidFill>
+        </p:spPr>
+        <p:style>
+          <a:lnRef idx="2">
+            <a:schemeClr val="accent1">
+              <a:shade val="50000"/>
+            </a:schemeClr>
+          </a:lnRef>
+          <a:fillRef idx="1">
+            <a:schemeClr val="accent1"/>
+          </a:fillRef>
+          <a:effectRef idx="0">
+            <a:schemeClr val="accent1"/>
+          </a:effectRef>
+          <a:fontRef idx="minor">
+            <a:schemeClr val="lt1"/>
+          </a:fontRef>
+        </p:style>
+        <p:txBody>
+          <a:bodyPr rtlCol="0" anchor="ctr"/>
+          <a:lstStyle/>
+          <a:p>
+            <a:pPr algn="ctr"/>
+            <a:r>
+              <a:rPr lang="es-MX" dirty="0" smtClean="0"/>
+              <a:t>Las puntuaciones totales son agrupadas en “</a:t>
+            </a:r>
+            <a:r>
+              <a:rPr lang="es-MX" dirty="0" err="1" smtClean="0"/>
+              <a:t>bins</a:t>
+            </a:r>
+            <a:r>
+              <a:rPr lang="es-MX" dirty="0" smtClean="0"/>
+              <a:t>”</a:t>
+            </a:r>
+            <a:endParaRPr lang="es-MX" dirty="0"/>
+          </a:p>
+        </p:txBody>
+      </p:sp>
+    </p:spTree>
+    <p:extLst>
+      <p:ext uri="{BB962C8B-B14F-4D97-AF65-F5344CB8AC3E}">
+        <p14:creationId xmlns:p14="http://schemas.microsoft.com/office/powerpoint/2010/main" val="2683875873"/>
+      </p:ext>
+    </p:extLst>
+  </p:cSld>
+  <p:clrMapOvr>
+    <a:masterClrMapping/>
+  </p:clrMapOvr>
+  <p:timing>
+    <p:tnLst>
+      <p:par>
+        <p:cTn id="1" dur="indefinite" restart="never" nodeType="tmRoot"/>
+      </p:par>
+    </p:tnLst>
+  </p:timing>
+</p:sld>
+</file>
+
+<file path=ppt/slides/slide45.xml><?xml version="1.0" encoding="utf-8"?>
+<p:sld xmlns:a="http://schemas.openxmlformats.org/drawingml/2006/main" xmlns:r="http://schemas.openxmlformats.org/officeDocument/2006/relationships" xmlns:p="http://schemas.openxmlformats.org/presentationml/2006/main">
+  <p:cSld>
+    <p:spTree>
+      <p:nvGrpSpPr>
+        <p:cNvPr id="1" name=""/>
+        <p:cNvGrpSpPr/>
+        <p:nvPr/>
+      </p:nvGrpSpPr>
+      <p:grpSpPr>
+        <a:xfrm>
+          <a:off x="0" y="0"/>
+          <a:ext cx="0" cy="0"/>
+          <a:chOff x="0" y="0"/>
+          <a:chExt cx="0" cy="0"/>
+        </a:xfrm>
+      </p:grpSpPr>
       <p:sp>
         <p:nvSpPr>
           <p:cNvPr id="2" name="Título 1"/>
@@ -7280,7 +7559,7 @@
 </p:sld>
 </file>
 
-<file path=ppt/slides/slide43.xml><?xml version="1.0" encoding="utf-8"?>
+<file path=ppt/slides/slide46.xml><?xml version="1.0" encoding="utf-8"?>
 <p:sld xmlns:a="http://schemas.openxmlformats.org/drawingml/2006/main" xmlns:r="http://schemas.openxmlformats.org/officeDocument/2006/relationships" xmlns:p="http://schemas.openxmlformats.org/presentationml/2006/main">
   <p:cSld>
     <p:spTree>
@@ -7372,7 +7651,7 @@
 </p:sld>
 </file>
 
-<file path=ppt/slides/slide44.xml><?xml version="1.0" encoding="utf-8"?>
+<file path=ppt/slides/slide47.xml><?xml version="1.0" encoding="utf-8"?>
 <p:sld xmlns:a="http://schemas.openxmlformats.org/drawingml/2006/main" xmlns:r="http://schemas.openxmlformats.org/officeDocument/2006/relationships" xmlns:p="http://schemas.openxmlformats.org/presentationml/2006/main">
   <p:cSld>
     <p:spTree>
@@ -7464,7 +7743,7 @@
 </p:sld>
 </file>
 
-<file path=ppt/slides/slide45.xml><?xml version="1.0" encoding="utf-8"?>
+<file path=ppt/slides/slide48.xml><?xml version="1.0" encoding="utf-8"?>
 <p:sld xmlns:a="http://schemas.openxmlformats.org/drawingml/2006/main" xmlns:r="http://schemas.openxmlformats.org/officeDocument/2006/relationships" xmlns:p="http://schemas.openxmlformats.org/presentationml/2006/main">
   <p:cSld>
     <p:spTree>
@@ -7556,7 +7835,7 @@
 </p:sld>
 </file>
 
-<file path=ppt/slides/slide46.xml><?xml version="1.0" encoding="utf-8"?>
+<file path=ppt/slides/slide49.xml><?xml version="1.0" encoding="utf-8"?>
 <p:sld xmlns:a="http://schemas.openxmlformats.org/drawingml/2006/main" xmlns:r="http://schemas.openxmlformats.org/officeDocument/2006/relationships" xmlns:p="http://schemas.openxmlformats.org/presentationml/2006/main">
   <p:cSld>
     <p:spTree>
@@ -7648,7 +7927,106 @@
 </p:sld>
 </file>
 
-<file path=ppt/slides/slide47.xml><?xml version="1.0" encoding="utf-8"?>
+<file path=ppt/slides/slide5.xml><?xml version="1.0" encoding="utf-8"?>
+<p:sld xmlns:a="http://schemas.openxmlformats.org/drawingml/2006/main" xmlns:r="http://schemas.openxmlformats.org/officeDocument/2006/relationships" xmlns:p="http://schemas.openxmlformats.org/presentationml/2006/main">
+  <p:cSld>
+    <p:spTree>
+      <p:nvGrpSpPr>
+        <p:cNvPr id="1" name=""/>
+        <p:cNvGrpSpPr/>
+        <p:nvPr/>
+      </p:nvGrpSpPr>
+      <p:grpSpPr>
+        <a:xfrm>
+          <a:off x="0" y="0"/>
+          <a:ext cx="0" cy="0"/>
+          <a:chOff x="0" y="0"/>
+          <a:chExt cx="0" cy="0"/>
+        </a:xfrm>
+      </p:grpSpPr>
+      <p:sp>
+        <p:nvSpPr>
+          <p:cNvPr id="2" name="Título 1"/>
+          <p:cNvSpPr>
+            <a:spLocks noGrp="1"/>
+          </p:cNvSpPr>
+          <p:nvPr>
+            <p:ph type="title"/>
+          </p:nvPr>
+        </p:nvSpPr>
+        <p:spPr/>
+        <p:txBody>
+          <a:bodyPr/>
+          <a:lstStyle/>
+          <a:p>
+            <a:endParaRPr lang="es-MX"/>
+          </a:p>
+        </p:txBody>
+      </p:sp>
+      <p:sp>
+        <p:nvSpPr>
+          <p:cNvPr id="3" name="Marcador de contenido 2"/>
+          <p:cNvSpPr>
+            <a:spLocks noGrp="1"/>
+          </p:cNvSpPr>
+          <p:nvPr>
+            <p:ph idx="1"/>
+          </p:nvPr>
+        </p:nvSpPr>
+        <p:spPr/>
+        <p:txBody>
+          <a:bodyPr/>
+          <a:lstStyle/>
+          <a:p>
+            <a:endParaRPr lang="es-MX" dirty="0"/>
+          </a:p>
+        </p:txBody>
+      </p:sp>
+      <p:pic>
+        <p:nvPicPr>
+          <p:cNvPr id="6" name="Imagen 5"/>
+          <p:cNvPicPr>
+            <a:picLocks noChangeAspect="1"/>
+          </p:cNvPicPr>
+          <p:nvPr/>
+        </p:nvPicPr>
+        <p:blipFill>
+          <a:blip r:embed="rId2"/>
+          <a:stretch>
+            <a:fillRect/>
+          </a:stretch>
+        </p:blipFill>
+        <p:spPr>
+          <a:xfrm>
+            <a:off x="1201003" y="0"/>
+            <a:ext cx="9512490" cy="6824634"/>
+          </a:xfrm>
+          <a:prstGeom prst="rect">
+            <a:avLst/>
+          </a:prstGeom>
+        </p:spPr>
+      </p:pic>
+    </p:spTree>
+    <p:extLst>
+      <p:ext uri="{BB962C8B-B14F-4D97-AF65-F5344CB8AC3E}">
+        <p14:creationId xmlns:p14="http://schemas.microsoft.com/office/powerpoint/2010/main" val="2205473848"/>
+      </p:ext>
+    </p:extLst>
+  </p:cSld>
+  <p:clrMapOvr>
+    <a:masterClrMapping/>
+  </p:clrMapOvr>
+  <p:timing>
+    <p:tnLst>
+      <p:par>
+        <p:cTn id="1" dur="indefinite" restart="never" nodeType="tmRoot"/>
+      </p:par>
+    </p:tnLst>
+  </p:timing>
+</p:sld>
+</file>
+
+<file path=ppt/slides/slide50.xml><?xml version="1.0" encoding="utf-8"?>
 <p:sld xmlns:a="http://schemas.openxmlformats.org/drawingml/2006/main" xmlns:r="http://schemas.openxmlformats.org/officeDocument/2006/relationships" xmlns:p="http://schemas.openxmlformats.org/presentationml/2006/main">
   <p:cSld>
     <p:spTree>
@@ -7740,7 +8118,7 @@
 </p:sld>
 </file>
 
-<file path=ppt/slides/slide48.xml><?xml version="1.0" encoding="utf-8"?>
+<file path=ppt/slides/slide51.xml><?xml version="1.0" encoding="utf-8"?>
 <p:sld xmlns:a="http://schemas.openxmlformats.org/drawingml/2006/main" xmlns:r="http://schemas.openxmlformats.org/officeDocument/2006/relationships" xmlns:p="http://schemas.openxmlformats.org/presentationml/2006/main">
   <p:cSld>
     <p:spTree>
@@ -7832,7 +8210,7 @@
 </p:sld>
 </file>
 
-<file path=ppt/slides/slide49.xml><?xml version="1.0" encoding="utf-8"?>
+<file path=ppt/slides/slide52.xml><?xml version="1.0" encoding="utf-8"?>
 <p:sld xmlns:a="http://schemas.openxmlformats.org/drawingml/2006/main" xmlns:r="http://schemas.openxmlformats.org/officeDocument/2006/relationships" xmlns:p="http://schemas.openxmlformats.org/presentationml/2006/main">
   <p:cSld>
     <p:spTree>
@@ -7924,161 +8302,7 @@
 </p:sld>
 </file>
 
-<file path=ppt/slides/slide5.xml><?xml version="1.0" encoding="utf-8"?>
-<p:sld xmlns:a="http://schemas.openxmlformats.org/drawingml/2006/main" xmlns:r="http://schemas.openxmlformats.org/officeDocument/2006/relationships" xmlns:p="http://schemas.openxmlformats.org/presentationml/2006/main">
-  <p:cSld>
-    <p:spTree>
-      <p:nvGrpSpPr>
-        <p:cNvPr id="1" name=""/>
-        <p:cNvGrpSpPr/>
-        <p:nvPr/>
-      </p:nvGrpSpPr>
-      <p:grpSpPr>
-        <a:xfrm>
-          <a:off x="0" y="0"/>
-          <a:ext cx="0" cy="0"/>
-          <a:chOff x="0" y="0"/>
-          <a:chExt cx="0" cy="0"/>
-        </a:xfrm>
-      </p:grpSpPr>
-      <p:sp>
-        <p:nvSpPr>
-          <p:cNvPr id="2" name="Título 1"/>
-          <p:cNvSpPr>
-            <a:spLocks noGrp="1"/>
-          </p:cNvSpPr>
-          <p:nvPr>
-            <p:ph type="title"/>
-          </p:nvPr>
-        </p:nvSpPr>
-        <p:spPr/>
-        <p:txBody>
-          <a:bodyPr/>
-          <a:lstStyle/>
-          <a:p>
-            <a:endParaRPr lang="es-MX"/>
-          </a:p>
-        </p:txBody>
-      </p:sp>
-      <p:sp>
-        <p:nvSpPr>
-          <p:cNvPr id="3" name="Marcador de contenido 2"/>
-          <p:cNvSpPr>
-            <a:spLocks noGrp="1"/>
-          </p:cNvSpPr>
-          <p:nvPr>
-            <p:ph idx="1"/>
-          </p:nvPr>
-        </p:nvSpPr>
-        <p:spPr/>
-        <p:txBody>
-          <a:bodyPr/>
-          <a:lstStyle/>
-          <a:p>
-            <a:endParaRPr lang="es-MX"/>
-          </a:p>
-        </p:txBody>
-      </p:sp>
-      <p:pic>
-        <p:nvPicPr>
-          <p:cNvPr id="4" name="Imagen 3"/>
-          <p:cNvPicPr>
-            <a:picLocks noChangeAspect="1"/>
-          </p:cNvPicPr>
-          <p:nvPr/>
-        </p:nvPicPr>
-        <p:blipFill>
-          <a:blip r:embed="rId2"/>
-          <a:stretch>
-            <a:fillRect/>
-          </a:stretch>
-        </p:blipFill>
-        <p:spPr>
-          <a:xfrm>
-            <a:off x="695325" y="365125"/>
-            <a:ext cx="10658475" cy="5972175"/>
-          </a:xfrm>
-          <a:prstGeom prst="rect">
-            <a:avLst/>
-          </a:prstGeom>
-        </p:spPr>
-      </p:pic>
-      <p:sp>
-        <p:nvSpPr>
-          <p:cNvPr id="5" name="Elipse 4"/>
-          <p:cNvSpPr/>
-          <p:nvPr/>
-        </p:nvSpPr>
-        <p:spPr>
-          <a:xfrm rot="19901093">
-            <a:off x="-1397665" y="-160412"/>
-            <a:ext cx="4503476" cy="2539478"/>
-          </a:xfrm>
-          <a:prstGeom prst="ellipse">
-            <a:avLst/>
-          </a:prstGeom>
-          <a:solidFill>
-            <a:schemeClr val="tx1"/>
-          </a:solidFill>
-        </p:spPr>
-        <p:style>
-          <a:lnRef idx="2">
-            <a:schemeClr val="accent1">
-              <a:shade val="50000"/>
-            </a:schemeClr>
-          </a:lnRef>
-          <a:fillRef idx="1">
-            <a:schemeClr val="accent1"/>
-          </a:fillRef>
-          <a:effectRef idx="0">
-            <a:schemeClr val="accent1"/>
-          </a:effectRef>
-          <a:fontRef idx="minor">
-            <a:schemeClr val="lt1"/>
-          </a:fontRef>
-        </p:style>
-        <p:txBody>
-          <a:bodyPr rtlCol="0" anchor="ctr"/>
-          <a:lstStyle/>
-          <a:p>
-            <a:pPr algn="ctr"/>
-            <a:r>
-              <a:rPr lang="es-MX" dirty="0" smtClean="0"/>
-              <a:t>Las puntuaciones totales son agrupadas en “</a:t>
-            </a:r>
-            <a:r>
-              <a:rPr lang="es-MX" dirty="0" err="1" smtClean="0"/>
-              <a:t>bins</a:t>
-            </a:r>
-            <a:r>
-              <a:rPr lang="es-MX" dirty="0" smtClean="0"/>
-              <a:t>”</a:t>
-            </a:r>
-            <a:endParaRPr lang="es-MX" dirty="0"/>
-          </a:p>
-        </p:txBody>
-      </p:sp>
-    </p:spTree>
-    <p:extLst>
-      <p:ext uri="{BB962C8B-B14F-4D97-AF65-F5344CB8AC3E}">
-        <p14:creationId xmlns:p14="http://schemas.microsoft.com/office/powerpoint/2010/main" val="4072761548"/>
-      </p:ext>
-    </p:extLst>
-  </p:cSld>
-  <p:clrMapOvr>
-    <a:masterClrMapping/>
-  </p:clrMapOvr>
-  <p:timing>
-    <p:tnLst>
-      <p:par>
-        <p:cTn id="1" dur="indefinite" restart="never" nodeType="tmRoot"/>
-      </p:par>
-    </p:tnLst>
-  </p:timing>
-</p:sld>
-</file>
-
-<file path=ppt/slides/slide50.xml><?xml version="1.0" encoding="utf-8"?>
+<file path=ppt/slides/slide53.xml><?xml version="1.0" encoding="utf-8"?>
 <p:sld xmlns:a="http://schemas.openxmlformats.org/drawingml/2006/main" xmlns:r="http://schemas.openxmlformats.org/officeDocument/2006/relationships" xmlns:p="http://schemas.openxmlformats.org/presentationml/2006/main">
   <p:cSld>
     <p:spTree>
@@ -8241,8 +8465,8 @@
         </p:blipFill>
         <p:spPr>
           <a:xfrm>
-            <a:off x="661987" y="395287"/>
-            <a:ext cx="10868025" cy="6067425"/>
+            <a:off x="695325" y="365125"/>
+            <a:ext cx="10658475" cy="5972175"/>
           </a:xfrm>
           <a:prstGeom prst="rect">
             <a:avLst/>
@@ -8290,6 +8514,160 @@
             <a:pPr algn="ctr"/>
             <a:r>
               <a:rPr lang="es-MX" dirty="0" smtClean="0"/>
+              <a:t>Las puntuaciones totales son agrupadas en “</a:t>
+            </a:r>
+            <a:r>
+              <a:rPr lang="es-MX" dirty="0" err="1" smtClean="0"/>
+              <a:t>bins</a:t>
+            </a:r>
+            <a:r>
+              <a:rPr lang="es-MX" dirty="0" smtClean="0"/>
+              <a:t>”</a:t>
+            </a:r>
+            <a:endParaRPr lang="es-MX" dirty="0"/>
+          </a:p>
+        </p:txBody>
+      </p:sp>
+    </p:spTree>
+    <p:extLst>
+      <p:ext uri="{BB962C8B-B14F-4D97-AF65-F5344CB8AC3E}">
+        <p14:creationId xmlns:p14="http://schemas.microsoft.com/office/powerpoint/2010/main" val="4072761548"/>
+      </p:ext>
+    </p:extLst>
+  </p:cSld>
+  <p:clrMapOvr>
+    <a:masterClrMapping/>
+  </p:clrMapOvr>
+  <p:timing>
+    <p:tnLst>
+      <p:par>
+        <p:cTn id="1" dur="indefinite" restart="never" nodeType="tmRoot"/>
+      </p:par>
+    </p:tnLst>
+  </p:timing>
+</p:sld>
+</file>
+
+<file path=ppt/slides/slide7.xml><?xml version="1.0" encoding="utf-8"?>
+<p:sld xmlns:a="http://schemas.openxmlformats.org/drawingml/2006/main" xmlns:r="http://schemas.openxmlformats.org/officeDocument/2006/relationships" xmlns:p="http://schemas.openxmlformats.org/presentationml/2006/main">
+  <p:cSld>
+    <p:spTree>
+      <p:nvGrpSpPr>
+        <p:cNvPr id="1" name=""/>
+        <p:cNvGrpSpPr/>
+        <p:nvPr/>
+      </p:nvGrpSpPr>
+      <p:grpSpPr>
+        <a:xfrm>
+          <a:off x="0" y="0"/>
+          <a:ext cx="0" cy="0"/>
+          <a:chOff x="0" y="0"/>
+          <a:chExt cx="0" cy="0"/>
+        </a:xfrm>
+      </p:grpSpPr>
+      <p:sp>
+        <p:nvSpPr>
+          <p:cNvPr id="2" name="Título 1"/>
+          <p:cNvSpPr>
+            <a:spLocks noGrp="1"/>
+          </p:cNvSpPr>
+          <p:nvPr>
+            <p:ph type="title"/>
+          </p:nvPr>
+        </p:nvSpPr>
+        <p:spPr/>
+        <p:txBody>
+          <a:bodyPr/>
+          <a:lstStyle/>
+          <a:p>
+            <a:endParaRPr lang="es-MX"/>
+          </a:p>
+        </p:txBody>
+      </p:sp>
+      <p:sp>
+        <p:nvSpPr>
+          <p:cNvPr id="3" name="Marcador de contenido 2"/>
+          <p:cNvSpPr>
+            <a:spLocks noGrp="1"/>
+          </p:cNvSpPr>
+          <p:nvPr>
+            <p:ph idx="1"/>
+          </p:nvPr>
+        </p:nvSpPr>
+        <p:spPr/>
+        <p:txBody>
+          <a:bodyPr/>
+          <a:lstStyle/>
+          <a:p>
+            <a:endParaRPr lang="es-MX"/>
+          </a:p>
+        </p:txBody>
+      </p:sp>
+      <p:pic>
+        <p:nvPicPr>
+          <p:cNvPr id="4" name="Imagen 3"/>
+          <p:cNvPicPr>
+            <a:picLocks noChangeAspect="1"/>
+          </p:cNvPicPr>
+          <p:nvPr/>
+        </p:nvPicPr>
+        <p:blipFill>
+          <a:blip r:embed="rId2"/>
+          <a:stretch>
+            <a:fillRect/>
+          </a:stretch>
+        </p:blipFill>
+        <p:spPr>
+          <a:xfrm>
+            <a:off x="661987" y="395287"/>
+            <a:ext cx="10868025" cy="6067425"/>
+          </a:xfrm>
+          <a:prstGeom prst="rect">
+            <a:avLst/>
+          </a:prstGeom>
+        </p:spPr>
+      </p:pic>
+      <p:sp>
+        <p:nvSpPr>
+          <p:cNvPr id="5" name="Elipse 4"/>
+          <p:cNvSpPr/>
+          <p:nvPr/>
+        </p:nvSpPr>
+        <p:spPr>
+          <a:xfrm rot="19901093">
+            <a:off x="-1397665" y="-160412"/>
+            <a:ext cx="4503476" cy="2539478"/>
+          </a:xfrm>
+          <a:prstGeom prst="ellipse">
+            <a:avLst/>
+          </a:prstGeom>
+          <a:solidFill>
+            <a:schemeClr val="tx1"/>
+          </a:solidFill>
+        </p:spPr>
+        <p:style>
+          <a:lnRef idx="2">
+            <a:schemeClr val="accent1">
+              <a:shade val="50000"/>
+            </a:schemeClr>
+          </a:lnRef>
+          <a:fillRef idx="1">
+            <a:schemeClr val="accent1"/>
+          </a:fillRef>
+          <a:effectRef idx="0">
+            <a:schemeClr val="accent1"/>
+          </a:effectRef>
+          <a:fontRef idx="minor">
+            <a:schemeClr val="lt1"/>
+          </a:fontRef>
+        </p:style>
+        <p:txBody>
+          <a:bodyPr rtlCol="0" anchor="ctr"/>
+          <a:lstStyle/>
+          <a:p>
+            <a:pPr algn="ctr"/>
+            <a:r>
+              <a:rPr lang="es-MX" dirty="0" smtClean="0"/>
               <a:t>Las puntuaciones totales se muestran individualmente</a:t>
             </a:r>
             <a:endParaRPr lang="es-MX" dirty="0"/>
@@ -8316,7 +8694,7 @@
 </p:sld>
 </file>
 
-<file path=ppt/slides/slide7.xml><?xml version="1.0" encoding="utf-8"?>
+<file path=ppt/slides/slide8.xml><?xml version="1.0" encoding="utf-8"?>
 <p:sld xmlns:a="http://schemas.openxmlformats.org/drawingml/2006/main" xmlns:r="http://schemas.openxmlformats.org/officeDocument/2006/relationships" xmlns:p="http://schemas.openxmlformats.org/presentationml/2006/main">
   <p:cSld>
     <p:spTree>
@@ -8415,7 +8793,7 @@
 </p:sld>
 </file>
 
-<file path=ppt/slides/slide8.xml><?xml version="1.0" encoding="utf-8"?>
+<file path=ppt/slides/slide9.xml><?xml version="1.0" encoding="utf-8"?>
 <p:sld xmlns:a="http://schemas.openxmlformats.org/drawingml/2006/main" xmlns:r="http://schemas.openxmlformats.org/officeDocument/2006/relationships" xmlns:p="http://schemas.openxmlformats.org/presentationml/2006/main">
   <p:cSld>
     <p:spTree>
@@ -8498,98 +8876,6 @@
     <p:extLst>
       <p:ext uri="{BB962C8B-B14F-4D97-AF65-F5344CB8AC3E}">
         <p14:creationId xmlns:p14="http://schemas.microsoft.com/office/powerpoint/2010/main" val="1284266653"/>
-      </p:ext>
-    </p:extLst>
-  </p:cSld>
-  <p:clrMapOvr>
-    <a:masterClrMapping/>
-  </p:clrMapOvr>
-</p:sld>
-</file>
-
-<file path=ppt/slides/slide9.xml><?xml version="1.0" encoding="utf-8"?>
-<p:sld xmlns:a="http://schemas.openxmlformats.org/drawingml/2006/main" xmlns:r="http://schemas.openxmlformats.org/officeDocument/2006/relationships" xmlns:p="http://schemas.openxmlformats.org/presentationml/2006/main">
-  <p:cSld>
-    <p:spTree>
-      <p:nvGrpSpPr>
-        <p:cNvPr id="1" name=""/>
-        <p:cNvGrpSpPr/>
-        <p:nvPr/>
-      </p:nvGrpSpPr>
-      <p:grpSpPr>
-        <a:xfrm>
-          <a:off x="0" y="0"/>
-          <a:ext cx="0" cy="0"/>
-          <a:chOff x="0" y="0"/>
-          <a:chExt cx="0" cy="0"/>
-        </a:xfrm>
-      </p:grpSpPr>
-      <p:sp>
-        <p:nvSpPr>
-          <p:cNvPr id="2" name="Título 1"/>
-          <p:cNvSpPr>
-            <a:spLocks noGrp="1"/>
-          </p:cNvSpPr>
-          <p:nvPr>
-            <p:ph type="title"/>
-          </p:nvPr>
-        </p:nvSpPr>
-        <p:spPr/>
-        <p:txBody>
-          <a:bodyPr/>
-          <a:lstStyle/>
-          <a:p>
-            <a:endParaRPr lang="es-MX"/>
-          </a:p>
-        </p:txBody>
-      </p:sp>
-      <p:sp>
-        <p:nvSpPr>
-          <p:cNvPr id="3" name="Marcador de contenido 2"/>
-          <p:cNvSpPr>
-            <a:spLocks noGrp="1"/>
-          </p:cNvSpPr>
-          <p:nvPr>
-            <p:ph idx="1"/>
-          </p:nvPr>
-        </p:nvSpPr>
-        <p:spPr/>
-        <p:txBody>
-          <a:bodyPr/>
-          <a:lstStyle/>
-          <a:p>
-            <a:endParaRPr lang="es-MX"/>
-          </a:p>
-        </p:txBody>
-      </p:sp>
-      <p:pic>
-        <p:nvPicPr>
-          <p:cNvPr id="4" name="Imagen 3"/>
-          <p:cNvPicPr>
-            <a:picLocks noChangeAspect="1"/>
-          </p:cNvPicPr>
-          <p:nvPr/>
-        </p:nvPicPr>
-        <p:blipFill>
-          <a:blip r:embed="rId2"/>
-          <a:stretch>
-            <a:fillRect/>
-          </a:stretch>
-        </p:blipFill>
-        <p:spPr>
-          <a:xfrm>
-            <a:off x="90487" y="214312"/>
-            <a:ext cx="12011025" cy="6429375"/>
-          </a:xfrm>
-          <a:prstGeom prst="rect">
-            <a:avLst/>
-          </a:prstGeom>
-        </p:spPr>
-      </p:pic>
-    </p:spTree>
-    <p:extLst>
-      <p:ext uri="{BB962C8B-B14F-4D97-AF65-F5344CB8AC3E}">
-        <p14:creationId xmlns:p14="http://schemas.microsoft.com/office/powerpoint/2010/main" val="3222653924"/>
       </p:ext>
     </p:extLst>
   </p:cSld>
